--- a/Presentation for Monday - CollegeConnect.pptx
+++ b/Presentation for Monday - CollegeConnect.pptx
@@ -7,17 +7,19 @@
   </p:sldMasterIdLst>
   <p:sldIdLst>
     <p:sldId id="256" r:id="rId3"/>
-    <p:sldId id="264" r:id="rId4"/>
-    <p:sldId id="265" r:id="rId5"/>
-    <p:sldId id="266" r:id="rId6"/>
-    <p:sldId id="267" r:id="rId7"/>
-    <p:sldId id="263" r:id="rId8"/>
-    <p:sldId id="262" r:id="rId9"/>
-    <p:sldId id="259" r:id="rId10"/>
-    <p:sldId id="268" r:id="rId11"/>
-    <p:sldId id="260" r:id="rId12"/>
-    <p:sldId id="261" r:id="rId13"/>
-    <p:sldId id="269" r:id="rId14"/>
+    <p:sldId id="270" r:id="rId4"/>
+    <p:sldId id="263" r:id="rId5"/>
+    <p:sldId id="262" r:id="rId6"/>
+    <p:sldId id="273" r:id="rId7"/>
+    <p:sldId id="274" r:id="rId8"/>
+    <p:sldId id="266" r:id="rId9"/>
+    <p:sldId id="267" r:id="rId10"/>
+    <p:sldId id="259" r:id="rId11"/>
+    <p:sldId id="275" r:id="rId12"/>
+    <p:sldId id="271" r:id="rId13"/>
+    <p:sldId id="260" r:id="rId14"/>
+    <p:sldId id="261" r:id="rId15"/>
+    <p:sldId id="272" r:id="rId16"/>
   </p:sldIdLst>
   <p:sldSz cx="12192000" cy="6858000"/>
   <p:notesSz cx="6858000" cy="9144000"/>
@@ -287,7 +289,7 @@
           <a:p>
             <a:fld id="{1395F73F-5539-402F-977C-5FDB6633C64E}" type="datetimeFigureOut">
               <a:rPr lang="en-US" smtClean="0"/>
-              <a:t>12/5/2021</a:t>
+              <a:t>12/6/2021</a:t>
             </a:fld>
             <a:endParaRPr lang="en-US"/>
           </a:p>
@@ -457,7 +459,7 @@
           <a:p>
             <a:fld id="{1395F73F-5539-402F-977C-5FDB6633C64E}" type="datetimeFigureOut">
               <a:rPr lang="en-US" smtClean="0"/>
-              <a:t>12/5/2021</a:t>
+              <a:t>12/6/2021</a:t>
             </a:fld>
             <a:endParaRPr lang="en-US"/>
           </a:p>
@@ -637,7 +639,7 @@
           <a:p>
             <a:fld id="{1395F73F-5539-402F-977C-5FDB6633C64E}" type="datetimeFigureOut">
               <a:rPr lang="en-US" smtClean="0"/>
-              <a:t>12/5/2021</a:t>
+              <a:t>12/6/2021</a:t>
             </a:fld>
             <a:endParaRPr lang="en-US"/>
           </a:p>
@@ -845,7 +847,7 @@
           <a:p>
             <a:fld id="{4AA142C2-9F9E-4437-965B-AD5903494C13}" type="datetimeFigureOut">
               <a:rPr lang="en-US" smtClean="0"/>
-              <a:t>12/5/2021</a:t>
+              <a:t>12/6/2021</a:t>
             </a:fld>
             <a:endParaRPr lang="en-US"/>
           </a:p>
@@ -1043,7 +1045,7 @@
           <a:p>
             <a:fld id="{4AA142C2-9F9E-4437-965B-AD5903494C13}" type="datetimeFigureOut">
               <a:rPr lang="en-US" smtClean="0"/>
-              <a:t>12/5/2021</a:t>
+              <a:t>12/6/2021</a:t>
             </a:fld>
             <a:endParaRPr lang="en-US"/>
           </a:p>
@@ -1318,7 +1320,7 @@
           <a:p>
             <a:fld id="{4AA142C2-9F9E-4437-965B-AD5903494C13}" type="datetimeFigureOut">
               <a:rPr lang="en-US" smtClean="0"/>
-              <a:t>12/5/2021</a:t>
+              <a:t>12/6/2021</a:t>
             </a:fld>
             <a:endParaRPr lang="en-US"/>
           </a:p>
@@ -1583,7 +1585,7 @@
           <a:p>
             <a:fld id="{4AA142C2-9F9E-4437-965B-AD5903494C13}" type="datetimeFigureOut">
               <a:rPr lang="en-US" smtClean="0"/>
-              <a:t>12/5/2021</a:t>
+              <a:t>12/6/2021</a:t>
             </a:fld>
             <a:endParaRPr lang="en-US"/>
           </a:p>
@@ -1995,7 +1997,7 @@
           <a:p>
             <a:fld id="{4AA142C2-9F9E-4437-965B-AD5903494C13}" type="datetimeFigureOut">
               <a:rPr lang="en-US" smtClean="0"/>
-              <a:t>12/5/2021</a:t>
+              <a:t>12/6/2021</a:t>
             </a:fld>
             <a:endParaRPr lang="en-US"/>
           </a:p>
@@ -2136,7 +2138,7 @@
           <a:p>
             <a:fld id="{4AA142C2-9F9E-4437-965B-AD5903494C13}" type="datetimeFigureOut">
               <a:rPr lang="en-US" smtClean="0"/>
-              <a:t>12/5/2021</a:t>
+              <a:t>12/6/2021</a:t>
             </a:fld>
             <a:endParaRPr lang="en-US"/>
           </a:p>
@@ -2249,7 +2251,7 @@
           <a:p>
             <a:fld id="{4AA142C2-9F9E-4437-965B-AD5903494C13}" type="datetimeFigureOut">
               <a:rPr lang="en-US" smtClean="0"/>
-              <a:t>12/5/2021</a:t>
+              <a:t>12/6/2021</a:t>
             </a:fld>
             <a:endParaRPr lang="en-US"/>
           </a:p>
@@ -2560,7 +2562,7 @@
           <a:p>
             <a:fld id="{4AA142C2-9F9E-4437-965B-AD5903494C13}" type="datetimeFigureOut">
               <a:rPr lang="en-US" smtClean="0"/>
-              <a:t>12/5/2021</a:t>
+              <a:t>12/6/2021</a:t>
             </a:fld>
             <a:endParaRPr lang="en-US"/>
           </a:p>
@@ -2742,7 +2744,7 @@
           <a:p>
             <a:fld id="{1395F73F-5539-402F-977C-5FDB6633C64E}" type="datetimeFigureOut">
               <a:rPr lang="en-US" smtClean="0"/>
-              <a:t>12/5/2021</a:t>
+              <a:t>12/6/2021</a:t>
             </a:fld>
             <a:endParaRPr lang="en-US"/>
           </a:p>
@@ -3018,7 +3020,7 @@
           <a:p>
             <a:fld id="{4AA142C2-9F9E-4437-965B-AD5903494C13}" type="datetimeFigureOut">
               <a:rPr lang="en-US" smtClean="0"/>
-              <a:t>12/5/2021</a:t>
+              <a:t>12/6/2021</a:t>
             </a:fld>
             <a:endParaRPr lang="en-US"/>
           </a:p>
@@ -3216,7 +3218,7 @@
           <a:p>
             <a:fld id="{4AA142C2-9F9E-4437-965B-AD5903494C13}" type="datetimeFigureOut">
               <a:rPr lang="en-US" smtClean="0"/>
-              <a:t>12/5/2021</a:t>
+              <a:t>12/6/2021</a:t>
             </a:fld>
             <a:endParaRPr lang="en-US"/>
           </a:p>
@@ -3424,7 +3426,7 @@
           <a:p>
             <a:fld id="{4AA142C2-9F9E-4437-965B-AD5903494C13}" type="datetimeFigureOut">
               <a:rPr lang="en-US" smtClean="0"/>
-              <a:t>12/5/2021</a:t>
+              <a:t>12/6/2021</a:t>
             </a:fld>
             <a:endParaRPr lang="en-US"/>
           </a:p>
@@ -3704,7 +3706,7 @@
           <a:p>
             <a:fld id="{1395F73F-5539-402F-977C-5FDB6633C64E}" type="datetimeFigureOut">
               <a:rPr lang="en-US" smtClean="0"/>
-              <a:t>12/5/2021</a:t>
+              <a:t>12/6/2021</a:t>
             </a:fld>
             <a:endParaRPr lang="en-US"/>
           </a:p>
@@ -3936,7 +3938,7 @@
           <a:p>
             <a:fld id="{1395F73F-5539-402F-977C-5FDB6633C64E}" type="datetimeFigureOut">
               <a:rPr lang="en-US" smtClean="0"/>
-              <a:t>12/5/2021</a:t>
+              <a:t>12/6/2021</a:t>
             </a:fld>
             <a:endParaRPr lang="en-US"/>
           </a:p>
@@ -4295,7 +4297,7 @@
           <a:p>
             <a:fld id="{1395F73F-5539-402F-977C-5FDB6633C64E}" type="datetimeFigureOut">
               <a:rPr lang="en-US" smtClean="0"/>
-              <a:t>12/5/2021</a:t>
+              <a:t>12/6/2021</a:t>
             </a:fld>
             <a:endParaRPr lang="en-US"/>
           </a:p>
@@ -4436,7 +4438,7 @@
           <a:p>
             <a:fld id="{1395F73F-5539-402F-977C-5FDB6633C64E}" type="datetimeFigureOut">
               <a:rPr lang="en-US" smtClean="0"/>
-              <a:t>12/5/2021</a:t>
+              <a:t>12/6/2021</a:t>
             </a:fld>
             <a:endParaRPr lang="en-US"/>
           </a:p>
@@ -4531,7 +4533,7 @@
           <a:p>
             <a:fld id="{1395F73F-5539-402F-977C-5FDB6633C64E}" type="datetimeFigureOut">
               <a:rPr lang="en-US" smtClean="0"/>
-              <a:t>12/5/2021</a:t>
+              <a:t>12/6/2021</a:t>
             </a:fld>
             <a:endParaRPr lang="en-US"/>
           </a:p>
@@ -4888,7 +4890,7 @@
           <a:p>
             <a:fld id="{1395F73F-5539-402F-977C-5FDB6633C64E}" type="datetimeFigureOut">
               <a:rPr lang="en-US" smtClean="0"/>
-              <a:t>12/5/2021</a:t>
+              <a:t>12/6/2021</a:t>
             </a:fld>
             <a:endParaRPr lang="en-US"/>
           </a:p>
@@ -5245,7 +5247,7 @@
           <a:p>
             <a:fld id="{1395F73F-5539-402F-977C-5FDB6633C64E}" type="datetimeFigureOut">
               <a:rPr lang="en-US" smtClean="0"/>
-              <a:t>12/5/2021</a:t>
+              <a:t>12/6/2021</a:t>
             </a:fld>
             <a:endParaRPr lang="en-US"/>
           </a:p>
@@ -5487,7 +5489,7 @@
           <a:p>
             <a:fld id="{1395F73F-5539-402F-977C-5FDB6633C64E}" type="datetimeFigureOut">
               <a:rPr lang="en-US" smtClean="0"/>
-              <a:t>12/5/2021</a:t>
+              <a:t>12/6/2021</a:t>
             </a:fld>
             <a:endParaRPr lang="en-US"/>
           </a:p>
@@ -6090,7 +6092,7 @@
           <a:p>
             <a:fld id="{4AA142C2-9F9E-4437-965B-AD5903494C13}" type="datetimeFigureOut">
               <a:rPr lang="en-US" smtClean="0"/>
-              <a:t>12/5/2021</a:t>
+              <a:t>12/6/2021</a:t>
             </a:fld>
             <a:endParaRPr lang="en-US"/>
           </a:p>
@@ -6595,14 +6597,6 @@
 <file path=ppt/slides/slide10.xml><?xml version="1.0" encoding="utf-8"?>
 <p:sld xmlns:a="http://schemas.openxmlformats.org/drawingml/2006/main" xmlns:r="http://schemas.openxmlformats.org/officeDocument/2006/relationships" xmlns:p="http://schemas.openxmlformats.org/presentationml/2006/main">
   <p:cSld>
-    <p:bg>
-      <p:bgPr>
-        <a:solidFill>
-          <a:schemeClr val="accent2"/>
-        </a:solidFill>
-        <a:effectLst/>
-      </p:bgPr>
-    </p:bg>
     <p:spTree>
       <p:nvGrpSpPr>
         <p:cNvPr id="1" name=""/>
@@ -6619,180 +6613,83 @@
       </p:grpSpPr>
       <p:sp>
         <p:nvSpPr>
-          <p:cNvPr id="12" name="Rectangle 11">
-            <a:extLst>
-              <a:ext uri="{FF2B5EF4-FFF2-40B4-BE49-F238E27FC236}">
-                <a16:creationId xmlns:a16="http://schemas.microsoft.com/office/drawing/2014/main" id="{E9F26AF7-9AC1-49A4-8F89-2C63E1C0A0BB}"/>
-              </a:ext>
-              <a:ext uri="{C183D7F6-B498-43B3-948B-1728B52AA6E4}">
-                <adec:decorative xmlns:adec="http://schemas.microsoft.com/office/drawing/2017/decorative" val="1"/>
-              </a:ext>
-            </a:extLst>
-          </p:cNvPr>
-          <p:cNvSpPr>
-            <a:spLocks noGrp="1" noRot="1" noChangeAspect="1" noMove="1" noResize="1" noEditPoints="1" noAdjustHandles="1" noChangeArrowheads="1" noChangeShapeType="1" noTextEdit="1"/>
-          </p:cNvSpPr>
-          <p:nvPr>
-            <p:extLst>
-              <p:ext uri="{386F3935-93C4-4BCD-93E2-E3B085C9AB24}">
-                <p16:designElem xmlns:p16="http://schemas.microsoft.com/office/powerpoint/2015/main" val="1"/>
-              </p:ext>
-            </p:extLst>
+          <p:cNvPr id="2" name="Title 1">
+            <a:extLst>
+              <a:ext uri="{FF2B5EF4-FFF2-40B4-BE49-F238E27FC236}">
+                <a16:creationId xmlns:a16="http://schemas.microsoft.com/office/drawing/2014/main" id="{0FAC9D29-AF37-4ACB-821A-A4E9352701A5}"/>
+              </a:ext>
+            </a:extLst>
+          </p:cNvPr>
+          <p:cNvSpPr>
+            <a:spLocks noGrp="1"/>
+          </p:cNvSpPr>
+          <p:nvPr>
+            <p:ph type="title"/>
+          </p:nvPr>
+        </p:nvSpPr>
+        <p:spPr/>
+        <p:txBody>
+          <a:bodyPr/>
+          <a:lstStyle/>
+          <a:p>
+            <a:r>
+              <a:rPr lang="en-US" dirty="0"/>
+              <a:t>Program Information</a:t>
+            </a:r>
+          </a:p>
+        </p:txBody>
+      </p:sp>
+      <p:sp>
+        <p:nvSpPr>
+          <p:cNvPr id="3" name="Content Placeholder 2">
+            <a:extLst>
+              <a:ext uri="{FF2B5EF4-FFF2-40B4-BE49-F238E27FC236}">
+                <a16:creationId xmlns:a16="http://schemas.microsoft.com/office/drawing/2014/main" id="{42FCE3D3-2039-4289-BEA3-F5B0E0902F66}"/>
+              </a:ext>
+            </a:extLst>
+          </p:cNvPr>
+          <p:cNvSpPr>
+            <a:spLocks noGrp="1"/>
+          </p:cNvSpPr>
+          <p:nvPr>
+            <p:ph idx="1"/>
           </p:nvPr>
         </p:nvSpPr>
         <p:spPr>
           <a:xfrm>
-            <a:off x="0" y="-2"/>
-            <a:ext cx="12192000" cy="4918511"/>
-          </a:xfrm>
-          <a:prstGeom prst="rect">
-            <a:avLst/>
-          </a:prstGeom>
-          <a:solidFill>
-            <a:srgbClr val="FFFFFF"/>
-          </a:solidFill>
-          <a:ln>
-            <a:noFill/>
-          </a:ln>
-        </p:spPr>
-        <p:style>
-          <a:lnRef idx="2">
-            <a:schemeClr val="accent1">
-              <a:shade val="50000"/>
-            </a:schemeClr>
-          </a:lnRef>
-          <a:fillRef idx="1">
-            <a:schemeClr val="accent1"/>
-          </a:fillRef>
-          <a:effectRef idx="0">
-            <a:schemeClr val="accent1"/>
-          </a:effectRef>
-          <a:fontRef idx="minor">
-            <a:schemeClr val="lt1"/>
-          </a:fontRef>
-        </p:style>
-        <p:txBody>
-          <a:bodyPr rtlCol="0" anchor="ctr"/>
-          <a:lstStyle/>
-          <a:p>
-            <a:pPr algn="ctr"/>
-            <a:endParaRPr lang="en-US"/>
-          </a:p>
-        </p:txBody>
-      </p:sp>
-      <p:sp>
-        <p:nvSpPr>
-          <p:cNvPr id="2" name="Title 1">
-            <a:extLst>
-              <a:ext uri="{FF2B5EF4-FFF2-40B4-BE49-F238E27FC236}">
-                <a16:creationId xmlns:a16="http://schemas.microsoft.com/office/drawing/2014/main" id="{37384A18-571D-D04A-A64B-2304FA077E2A}"/>
-              </a:ext>
-            </a:extLst>
-          </p:cNvPr>
-          <p:cNvSpPr>
-            <a:spLocks noGrp="1"/>
-          </p:cNvSpPr>
-          <p:nvPr>
-            <p:ph type="title"/>
-          </p:nvPr>
-        </p:nvSpPr>
-        <p:spPr>
-          <a:xfrm>
-            <a:off x="1600200" y="3889165"/>
-            <a:ext cx="8991600" cy="1264762"/>
-          </a:xfrm>
-        </p:spPr>
-        <p:txBody>
-          <a:bodyPr vert="horz" lIns="274320" tIns="182880" rIns="274320" bIns="182880" rtlCol="0" anchor="ctr" anchorCtr="1">
-            <a:normAutofit/>
+            <a:off x="2074984" y="2606215"/>
+            <a:ext cx="8042032" cy="2904627"/>
+          </a:xfrm>
+        </p:spPr>
+        <p:txBody>
+          <a:bodyPr>
+            <a:noAutofit/>
           </a:bodyPr>
           <a:lstStyle/>
           <a:p>
             <a:r>
-              <a:rPr lang="en-US" sz="3200" dirty="0"/>
-              <a:t>Progress Report1</a:t>
-            </a:r>
-          </a:p>
-        </p:txBody>
-      </p:sp>
-      <p:pic>
-        <p:nvPicPr>
-          <p:cNvPr id="5" name="Content Placeholder 4" descr="Graphical user interface, text&#10;&#10;Description automatically generated">
-            <a:extLst>
-              <a:ext uri="{FF2B5EF4-FFF2-40B4-BE49-F238E27FC236}">
-                <a16:creationId xmlns:a16="http://schemas.microsoft.com/office/drawing/2014/main" id="{589C5037-B5C3-084A-951B-97F5370DF9FF}"/>
-              </a:ext>
-            </a:extLst>
-          </p:cNvPr>
-          <p:cNvPicPr>
-            <a:picLocks noGrp="1" noChangeAspect="1"/>
-          </p:cNvPicPr>
-          <p:nvPr>
-            <p:ph idx="1"/>
-          </p:nvPr>
-        </p:nvPicPr>
-        <p:blipFill>
-          <a:blip r:embed="rId2">
-            <a:extLst>
-              <a:ext uri="{28A0092B-C50C-407E-A947-70E740481C1C}">
-                <a14:useLocalDpi xmlns:a14="http://schemas.microsoft.com/office/drawing/2010/main" val="0"/>
-              </a:ext>
-            </a:extLst>
-          </a:blip>
-          <a:stretch>
-            <a:fillRect/>
-          </a:stretch>
-        </p:blipFill>
-        <p:spPr>
-          <a:xfrm>
-            <a:off x="2535788" y="587858"/>
-            <a:ext cx="3317896" cy="3301307"/>
-          </a:xfrm>
-          <a:prstGeom prst="rect">
-            <a:avLst/>
-          </a:prstGeom>
-        </p:spPr>
-      </p:pic>
-      <p:pic>
-        <p:nvPicPr>
-          <p:cNvPr id="7" name="Picture 6" descr="Text&#10;&#10;Description automatically generated">
-            <a:extLst>
-              <a:ext uri="{FF2B5EF4-FFF2-40B4-BE49-F238E27FC236}">
-                <a16:creationId xmlns:a16="http://schemas.microsoft.com/office/drawing/2014/main" id="{42AD534C-8EE5-F147-BE22-59073A56EE13}"/>
-              </a:ext>
-            </a:extLst>
-          </p:cNvPr>
-          <p:cNvPicPr>
-            <a:picLocks noChangeAspect="1"/>
-          </p:cNvPicPr>
-          <p:nvPr/>
-        </p:nvPicPr>
-        <p:blipFill>
-          <a:blip r:embed="rId3">
-            <a:extLst>
-              <a:ext uri="{28A0092B-C50C-407E-A947-70E740481C1C}">
-                <a14:useLocalDpi xmlns:a14="http://schemas.microsoft.com/office/drawing/2010/main" val="0"/>
-              </a:ext>
-            </a:extLst>
-          </a:blip>
-          <a:stretch>
-            <a:fillRect/>
-          </a:stretch>
-        </p:blipFill>
-        <p:spPr>
-          <a:xfrm>
-            <a:off x="6338316" y="587858"/>
-            <a:ext cx="3412203" cy="3301307"/>
-          </a:xfrm>
-          <a:prstGeom prst="rect">
-            <a:avLst/>
-          </a:prstGeom>
-        </p:spPr>
-      </p:pic>
+              <a:rPr lang="en-US" sz="4000" dirty="0"/>
+              <a:t>Uses 18 classes (6 outer, 12 inner)</a:t>
+            </a:r>
+          </a:p>
+          <a:p>
+            <a:r>
+              <a:rPr lang="en-US" sz="4000" dirty="0"/>
+              <a:t>Uses 2 Enum files (Dorms, Gender)</a:t>
+            </a:r>
+          </a:p>
+          <a:p>
+            <a:r>
+              <a:rPr lang="en-US" sz="4000" dirty="0"/>
+              <a:t>2435 lines of code</a:t>
+            </a:r>
+          </a:p>
+        </p:txBody>
+      </p:sp>
     </p:spTree>
     <p:extLst>
       <p:ext uri="{BB962C8B-B14F-4D97-AF65-F5344CB8AC3E}">
-        <p14:creationId xmlns:p14="http://schemas.microsoft.com/office/powerpoint/2010/main" val="188930980"/>
+        <p14:creationId xmlns:p14="http://schemas.microsoft.com/office/powerpoint/2010/main" val="1749116458"/>
       </p:ext>
     </p:extLst>
   </p:cSld>
@@ -6803,6 +6700,140 @@
 </file>
 
 <file path=ppt/slides/slide11.xml><?xml version="1.0" encoding="utf-8"?>
+<p:sld xmlns:a="http://schemas.openxmlformats.org/drawingml/2006/main" xmlns:r="http://schemas.openxmlformats.org/officeDocument/2006/relationships" xmlns:p="http://schemas.openxmlformats.org/presentationml/2006/main">
+  <p:cSld>
+    <p:spTree>
+      <p:nvGrpSpPr>
+        <p:cNvPr id="1" name=""/>
+        <p:cNvGrpSpPr/>
+        <p:nvPr/>
+      </p:nvGrpSpPr>
+      <p:grpSpPr>
+        <a:xfrm>
+          <a:off x="0" y="0"/>
+          <a:ext cx="0" cy="0"/>
+          <a:chOff x="0" y="0"/>
+          <a:chExt cx="0" cy="0"/>
+        </a:xfrm>
+      </p:grpSpPr>
+      <p:sp>
+        <p:nvSpPr>
+          <p:cNvPr id="2" name="Title 1">
+            <a:extLst>
+              <a:ext uri="{FF2B5EF4-FFF2-40B4-BE49-F238E27FC236}">
+                <a16:creationId xmlns:a16="http://schemas.microsoft.com/office/drawing/2014/main" id="{28A8661E-D7D6-44D3-80BD-555C9EBA9E36}"/>
+              </a:ext>
+            </a:extLst>
+          </p:cNvPr>
+          <p:cNvSpPr>
+            <a:spLocks noGrp="1"/>
+          </p:cNvSpPr>
+          <p:nvPr>
+            <p:ph type="title"/>
+          </p:nvPr>
+        </p:nvSpPr>
+        <p:spPr/>
+        <p:txBody>
+          <a:bodyPr/>
+          <a:lstStyle/>
+          <a:p>
+            <a:r>
+              <a:rPr lang="en-US" dirty="0"/>
+              <a:t>Issues</a:t>
+            </a:r>
+          </a:p>
+        </p:txBody>
+      </p:sp>
+      <p:sp>
+        <p:nvSpPr>
+          <p:cNvPr id="3" name="Content Placeholder 2">
+            <a:extLst>
+              <a:ext uri="{FF2B5EF4-FFF2-40B4-BE49-F238E27FC236}">
+                <a16:creationId xmlns:a16="http://schemas.microsoft.com/office/drawing/2014/main" id="{6FD3F876-4050-4BE4-91E3-D4511697AF10}"/>
+              </a:ext>
+            </a:extLst>
+          </p:cNvPr>
+          <p:cNvSpPr>
+            <a:spLocks noGrp="1"/>
+          </p:cNvSpPr>
+          <p:nvPr>
+            <p:ph idx="1"/>
+          </p:nvPr>
+        </p:nvSpPr>
+        <p:spPr/>
+        <p:txBody>
+          <a:bodyPr>
+            <a:normAutofit fontScale="92500"/>
+          </a:bodyPr>
+          <a:lstStyle/>
+          <a:p>
+            <a:r>
+              <a:rPr lang="en-US" dirty="0"/>
+              <a:t>Concurrence – program saves the index of the currently logged in user</a:t>
+            </a:r>
+          </a:p>
+          <a:p>
+            <a:pPr lvl="1"/>
+            <a:r>
+              <a:rPr lang="en-US" dirty="0"/>
+              <a:t>If users are created/deleted earlier in the list, this can switch the indexes, causing the program to access the wrong profiles</a:t>
+            </a:r>
+          </a:p>
+          <a:p>
+            <a:pPr lvl="1"/>
+            <a:r>
+              <a:rPr lang="en-US" dirty="0"/>
+              <a:t>Solution: Save user log-in credentials or an id number and use that to access the </a:t>
+            </a:r>
+            <a:r>
+              <a:rPr lang="en-US" dirty="0" err="1"/>
+              <a:t>arrayList</a:t>
+            </a:r>
+            <a:endParaRPr lang="en-US" dirty="0"/>
+          </a:p>
+          <a:p>
+            <a:r>
+              <a:rPr lang="en-US" dirty="0"/>
+              <a:t>UI looks bad, doesn’t scale at all</a:t>
+            </a:r>
+          </a:p>
+          <a:p>
+            <a:pPr lvl="1"/>
+            <a:r>
+              <a:rPr lang="en-US" dirty="0"/>
+              <a:t>When the window resolution changes, the locations of the components don’t</a:t>
+            </a:r>
+          </a:p>
+          <a:p>
+            <a:pPr lvl="2"/>
+            <a:r>
+              <a:rPr lang="en-US" dirty="0"/>
+              <a:t>This creates issues as it focuses everything on the top left corner instead of the middle of the window</a:t>
+            </a:r>
+          </a:p>
+          <a:p>
+            <a:pPr lvl="1"/>
+            <a:r>
+              <a:rPr lang="en-US" dirty="0"/>
+              <a:t>Solution: Revamp UI</a:t>
+            </a:r>
+          </a:p>
+        </p:txBody>
+      </p:sp>
+    </p:spTree>
+    <p:extLst>
+      <p:ext uri="{BB962C8B-B14F-4D97-AF65-F5344CB8AC3E}">
+        <p14:creationId xmlns:p14="http://schemas.microsoft.com/office/powerpoint/2010/main" val="290452735"/>
+      </p:ext>
+    </p:extLst>
+  </p:cSld>
+  <p:clrMapOvr>
+    <a:masterClrMapping/>
+  </p:clrMapOvr>
+</p:sld>
+</file>
+
+<file path=ppt/slides/slide12.xml><?xml version="1.0" encoding="utf-8"?>
 <p:sld xmlns:a="http://schemas.openxmlformats.org/drawingml/2006/main" xmlns:r="http://schemas.openxmlformats.org/officeDocument/2006/relationships" xmlns:p="http://schemas.openxmlformats.org/presentationml/2006/main">
   <p:cSld>
     <p:bg>
@@ -6829,10 +6860,10 @@
       </p:grpSpPr>
       <p:sp>
         <p:nvSpPr>
-          <p:cNvPr id="14" name="Rectangle 13">
-            <a:extLst>
-              <a:ext uri="{FF2B5EF4-FFF2-40B4-BE49-F238E27FC236}">
-                <a16:creationId xmlns:a16="http://schemas.microsoft.com/office/drawing/2014/main" id="{4E3759DD-698F-4D3A-AF4C-5E44527D3070}"/>
+          <p:cNvPr id="12" name="Rectangle 11">
+            <a:extLst>
+              <a:ext uri="{FF2B5EF4-FFF2-40B4-BE49-F238E27FC236}">
+                <a16:creationId xmlns:a16="http://schemas.microsoft.com/office/drawing/2014/main" id="{E9F26AF7-9AC1-49A4-8F89-2C63E1C0A0BB}"/>
               </a:ext>
               <a:ext uri="{C183D7F6-B498-43B3-948B-1728B52AA6E4}">
                 <adec:decorative xmlns:adec="http://schemas.microsoft.com/office/drawing/2017/decorative" val="1"/>
@@ -6895,6 +6926,308 @@
           <p:cNvPr id="2" name="Title 1">
             <a:extLst>
               <a:ext uri="{FF2B5EF4-FFF2-40B4-BE49-F238E27FC236}">
+                <a16:creationId xmlns:a16="http://schemas.microsoft.com/office/drawing/2014/main" id="{37384A18-571D-D04A-A64B-2304FA077E2A}"/>
+              </a:ext>
+            </a:extLst>
+          </p:cNvPr>
+          <p:cNvSpPr>
+            <a:spLocks noGrp="1"/>
+          </p:cNvSpPr>
+          <p:nvPr>
+            <p:ph type="title"/>
+          </p:nvPr>
+        </p:nvSpPr>
+        <p:spPr>
+          <a:xfrm>
+            <a:off x="1600200" y="3889165"/>
+            <a:ext cx="8991600" cy="1264762"/>
+          </a:xfrm>
+        </p:spPr>
+        <p:txBody>
+          <a:bodyPr vert="horz" lIns="274320" tIns="182880" rIns="274320" bIns="182880" rtlCol="0" anchor="ctr" anchorCtr="1">
+            <a:normAutofit/>
+          </a:bodyPr>
+          <a:lstStyle/>
+          <a:p>
+            <a:r>
+              <a:rPr lang="en-US" sz="3200" dirty="0"/>
+              <a:t>Progress Report1</a:t>
+            </a:r>
+          </a:p>
+        </p:txBody>
+      </p:sp>
+      <p:pic>
+        <p:nvPicPr>
+          <p:cNvPr id="5" name="Content Placeholder 4" descr="Graphical user interface, text&#10;&#10;Description automatically generated">
+            <a:extLst>
+              <a:ext uri="{FF2B5EF4-FFF2-40B4-BE49-F238E27FC236}">
+                <a16:creationId xmlns:a16="http://schemas.microsoft.com/office/drawing/2014/main" id="{589C5037-B5C3-084A-951B-97F5370DF9FF}"/>
+              </a:ext>
+            </a:extLst>
+          </p:cNvPr>
+          <p:cNvPicPr>
+            <a:picLocks noGrp="1" noChangeAspect="1"/>
+          </p:cNvPicPr>
+          <p:nvPr>
+            <p:ph idx="1"/>
+          </p:nvPr>
+        </p:nvPicPr>
+        <p:blipFill>
+          <a:blip r:embed="rId2">
+            <a:extLst>
+              <a:ext uri="{28A0092B-C50C-407E-A947-70E740481C1C}">
+                <a14:useLocalDpi xmlns:a14="http://schemas.microsoft.com/office/drawing/2010/main" val="0"/>
+              </a:ext>
+            </a:extLst>
+          </a:blip>
+          <a:stretch>
+            <a:fillRect/>
+          </a:stretch>
+        </p:blipFill>
+        <p:spPr>
+          <a:xfrm>
+            <a:off x="2535788" y="587858"/>
+            <a:ext cx="3317896" cy="3301307"/>
+          </a:xfrm>
+          <a:prstGeom prst="rect">
+            <a:avLst/>
+          </a:prstGeom>
+        </p:spPr>
+      </p:pic>
+      <p:pic>
+        <p:nvPicPr>
+          <p:cNvPr id="7" name="Picture 6" descr="Text&#10;&#10;Description automatically generated">
+            <a:extLst>
+              <a:ext uri="{FF2B5EF4-FFF2-40B4-BE49-F238E27FC236}">
+                <a16:creationId xmlns:a16="http://schemas.microsoft.com/office/drawing/2014/main" id="{42AD534C-8EE5-F147-BE22-59073A56EE13}"/>
+              </a:ext>
+            </a:extLst>
+          </p:cNvPr>
+          <p:cNvPicPr>
+            <a:picLocks noChangeAspect="1"/>
+          </p:cNvPicPr>
+          <p:nvPr/>
+        </p:nvPicPr>
+        <p:blipFill>
+          <a:blip r:embed="rId3">
+            <a:extLst>
+              <a:ext uri="{28A0092B-C50C-407E-A947-70E740481C1C}">
+                <a14:useLocalDpi xmlns:a14="http://schemas.microsoft.com/office/drawing/2010/main" val="0"/>
+              </a:ext>
+            </a:extLst>
+          </a:blip>
+          <a:stretch>
+            <a:fillRect/>
+          </a:stretch>
+        </p:blipFill>
+        <p:spPr>
+          <a:xfrm>
+            <a:off x="6338316" y="587858"/>
+            <a:ext cx="3412203" cy="3301307"/>
+          </a:xfrm>
+          <a:prstGeom prst="rect">
+            <a:avLst/>
+          </a:prstGeom>
+        </p:spPr>
+      </p:pic>
+      <p:sp>
+        <p:nvSpPr>
+          <p:cNvPr id="3" name="Rectangle 2">
+            <a:extLst>
+              <a:ext uri="{FF2B5EF4-FFF2-40B4-BE49-F238E27FC236}">
+                <a16:creationId xmlns:a16="http://schemas.microsoft.com/office/drawing/2014/main" id="{91ACBF06-4DF4-4A4F-93BB-88C4CE9E6719}"/>
+              </a:ext>
+            </a:extLst>
+          </p:cNvPr>
+          <p:cNvSpPr/>
+          <p:nvPr/>
+        </p:nvSpPr>
+        <p:spPr>
+          <a:xfrm>
+            <a:off x="6589455" y="722528"/>
+            <a:ext cx="3066757" cy="492370"/>
+          </a:xfrm>
+          <a:prstGeom prst="rect">
+            <a:avLst/>
+          </a:prstGeom>
+          <a:solidFill>
+            <a:srgbClr val="E9A36C"/>
+          </a:solidFill>
+          <a:ln>
+            <a:noFill/>
+          </a:ln>
+        </p:spPr>
+        <p:style>
+          <a:lnRef idx="2">
+            <a:schemeClr val="accent1">
+              <a:shade val="50000"/>
+            </a:schemeClr>
+          </a:lnRef>
+          <a:fillRef idx="1">
+            <a:schemeClr val="accent1"/>
+          </a:fillRef>
+          <a:effectRef idx="0">
+            <a:schemeClr val="accent1"/>
+          </a:effectRef>
+          <a:fontRef idx="minor">
+            <a:schemeClr val="lt1"/>
+          </a:fontRef>
+        </p:style>
+        <p:txBody>
+          <a:bodyPr rtlCol="0" anchor="ctr"/>
+          <a:lstStyle/>
+          <a:p>
+            <a:pPr algn="ctr"/>
+            <a:endParaRPr lang="en-US"/>
+          </a:p>
+        </p:txBody>
+      </p:sp>
+      <p:sp>
+        <p:nvSpPr>
+          <p:cNvPr id="4" name="TextBox 3">
+            <a:extLst>
+              <a:ext uri="{FF2B5EF4-FFF2-40B4-BE49-F238E27FC236}">
+                <a16:creationId xmlns:a16="http://schemas.microsoft.com/office/drawing/2014/main" id="{82A7D584-F336-461E-A12F-0F51B3ABFDCD}"/>
+              </a:ext>
+            </a:extLst>
+          </p:cNvPr>
+          <p:cNvSpPr txBox="1"/>
+          <p:nvPr/>
+        </p:nvSpPr>
+        <p:spPr>
+          <a:xfrm>
+            <a:off x="6682630" y="775795"/>
+            <a:ext cx="2796215" cy="400110"/>
+          </a:xfrm>
+          <a:prstGeom prst="rect">
+            <a:avLst/>
+          </a:prstGeom>
+          <a:noFill/>
+        </p:spPr>
+        <p:txBody>
+          <a:bodyPr wrap="none" rtlCol="0">
+            <a:spAutoFit/>
+          </a:bodyPr>
+          <a:lstStyle/>
+          <a:p>
+            <a:r>
+              <a:rPr lang="en-US" sz="2000" dirty="0">
+                <a:solidFill>
+                  <a:srgbClr val="644E35"/>
+                </a:solidFill>
+                <a:latin typeface="Arial Black" panose="020B0A04020102020204" pitchFamily="34" charset="0"/>
+              </a:rPr>
+              <a:t>Work Assignments</a:t>
+            </a:r>
+          </a:p>
+        </p:txBody>
+      </p:sp>
+    </p:spTree>
+    <p:extLst>
+      <p:ext uri="{BB962C8B-B14F-4D97-AF65-F5344CB8AC3E}">
+        <p14:creationId xmlns:p14="http://schemas.microsoft.com/office/powerpoint/2010/main" val="188930980"/>
+      </p:ext>
+    </p:extLst>
+  </p:cSld>
+  <p:clrMapOvr>
+    <a:masterClrMapping/>
+  </p:clrMapOvr>
+</p:sld>
+</file>
+
+<file path=ppt/slides/slide13.xml><?xml version="1.0" encoding="utf-8"?>
+<p:sld xmlns:a="http://schemas.openxmlformats.org/drawingml/2006/main" xmlns:r="http://schemas.openxmlformats.org/officeDocument/2006/relationships" xmlns:p="http://schemas.openxmlformats.org/presentationml/2006/main">
+  <p:cSld>
+    <p:bg>
+      <p:bgPr>
+        <a:solidFill>
+          <a:schemeClr val="accent2"/>
+        </a:solidFill>
+        <a:effectLst/>
+      </p:bgPr>
+    </p:bg>
+    <p:spTree>
+      <p:nvGrpSpPr>
+        <p:cNvPr id="1" name=""/>
+        <p:cNvGrpSpPr/>
+        <p:nvPr/>
+      </p:nvGrpSpPr>
+      <p:grpSpPr>
+        <a:xfrm>
+          <a:off x="0" y="0"/>
+          <a:ext cx="0" cy="0"/>
+          <a:chOff x="0" y="0"/>
+          <a:chExt cx="0" cy="0"/>
+        </a:xfrm>
+      </p:grpSpPr>
+      <p:sp>
+        <p:nvSpPr>
+          <p:cNvPr id="14" name="Rectangle 13">
+            <a:extLst>
+              <a:ext uri="{FF2B5EF4-FFF2-40B4-BE49-F238E27FC236}">
+                <a16:creationId xmlns:a16="http://schemas.microsoft.com/office/drawing/2014/main" id="{4E3759DD-698F-4D3A-AF4C-5E44527D3070}"/>
+              </a:ext>
+              <a:ext uri="{C183D7F6-B498-43B3-948B-1728B52AA6E4}">
+                <adec:decorative xmlns:adec="http://schemas.microsoft.com/office/drawing/2017/decorative" val="1"/>
+              </a:ext>
+            </a:extLst>
+          </p:cNvPr>
+          <p:cNvSpPr>
+            <a:spLocks noGrp="1" noRot="1" noChangeAspect="1" noMove="1" noResize="1" noEditPoints="1" noAdjustHandles="1" noChangeArrowheads="1" noChangeShapeType="1" noTextEdit="1"/>
+          </p:cNvSpPr>
+          <p:nvPr>
+            <p:extLst>
+              <p:ext uri="{386F3935-93C4-4BCD-93E2-E3B085C9AB24}">
+                <p16:designElem xmlns:p16="http://schemas.microsoft.com/office/powerpoint/2015/main" val="1"/>
+              </p:ext>
+            </p:extLst>
+          </p:nvPr>
+        </p:nvSpPr>
+        <p:spPr>
+          <a:xfrm>
+            <a:off x="0" y="-2"/>
+            <a:ext cx="12192000" cy="4918511"/>
+          </a:xfrm>
+          <a:prstGeom prst="rect">
+            <a:avLst/>
+          </a:prstGeom>
+          <a:solidFill>
+            <a:srgbClr val="FFFFFF"/>
+          </a:solidFill>
+          <a:ln>
+            <a:noFill/>
+          </a:ln>
+        </p:spPr>
+        <p:style>
+          <a:lnRef idx="2">
+            <a:schemeClr val="accent1">
+              <a:shade val="50000"/>
+            </a:schemeClr>
+          </a:lnRef>
+          <a:fillRef idx="1">
+            <a:schemeClr val="accent1"/>
+          </a:fillRef>
+          <a:effectRef idx="0">
+            <a:schemeClr val="accent1"/>
+          </a:effectRef>
+          <a:fontRef idx="minor">
+            <a:schemeClr val="lt1"/>
+          </a:fontRef>
+        </p:style>
+        <p:txBody>
+          <a:bodyPr rtlCol="0" anchor="ctr"/>
+          <a:lstStyle/>
+          <a:p>
+            <a:pPr algn="ctr"/>
+            <a:endParaRPr lang="en-US"/>
+          </a:p>
+        </p:txBody>
+      </p:sp>
+      <p:sp>
+        <p:nvSpPr>
+          <p:cNvPr id="2" name="Title 1">
+            <a:extLst>
+              <a:ext uri="{FF2B5EF4-FFF2-40B4-BE49-F238E27FC236}">
                 <a16:creationId xmlns:a16="http://schemas.microsoft.com/office/drawing/2014/main" id="{022E0689-C6EA-924C-B608-C34F3B2A393C}"/>
               </a:ext>
             </a:extLst>
@@ -7048,7 +7381,7 @@
 </p:sld>
 </file>
 
-<file path=ppt/slides/slide12.xml><?xml version="1.0" encoding="utf-8"?>
+<file path=ppt/slides/slide14.xml><?xml version="1.0" encoding="utf-8"?>
 <p:sld xmlns:a="http://schemas.openxmlformats.org/drawingml/2006/main" xmlns:r="http://schemas.openxmlformats.org/officeDocument/2006/relationships" xmlns:p="http://schemas.openxmlformats.org/presentationml/2006/main">
   <p:cSld>
     <p:spTree>
@@ -7065,12 +7398,40 @@
           <a:chExt cx="0" cy="0"/>
         </a:xfrm>
       </p:grpSpPr>
+      <p:sp>
+        <p:nvSpPr>
+          <p:cNvPr id="2" name="Title 1">
+            <a:extLst>
+              <a:ext uri="{FF2B5EF4-FFF2-40B4-BE49-F238E27FC236}">
+                <a16:creationId xmlns:a16="http://schemas.microsoft.com/office/drawing/2014/main" id="{34E99FE0-FA43-48C3-902B-FE5189FC8DEA}"/>
+              </a:ext>
+            </a:extLst>
+          </p:cNvPr>
+          <p:cNvSpPr>
+            <a:spLocks noGrp="1"/>
+          </p:cNvSpPr>
+          <p:nvPr>
+            <p:ph type="title"/>
+          </p:nvPr>
+        </p:nvSpPr>
+        <p:spPr/>
+        <p:txBody>
+          <a:bodyPr/>
+          <a:lstStyle/>
+          <a:p>
+            <a:r>
+              <a:rPr lang="en-US" dirty="0"/>
+              <a:t>Future</a:t>
+            </a:r>
+          </a:p>
+        </p:txBody>
+      </p:sp>
       <p:cxnSp>
         <p:nvCxnSpPr>
-          <p:cNvPr id="32" name="Straight Connector 31">
-            <a:extLst>
-              <a:ext uri="{FF2B5EF4-FFF2-40B4-BE49-F238E27FC236}">
-                <a16:creationId xmlns:a16="http://schemas.microsoft.com/office/drawing/2014/main" id="{11F848FD-49C6-47C4-89AC-265ABF31EB20}"/>
+          <p:cNvPr id="6" name="Straight Connector 5">
+            <a:extLst>
+              <a:ext uri="{FF2B5EF4-FFF2-40B4-BE49-F238E27FC236}">
+                <a16:creationId xmlns:a16="http://schemas.microsoft.com/office/drawing/2014/main" id="{1A3CE6D4-62B7-4EE9-A345-EC3EE40D5CA7}"/>
               </a:ext>
             </a:extLst>
           </p:cNvPr>
@@ -7081,276 +7442,8 @@
         </p:nvCxnSpPr>
         <p:spPr>
           <a:xfrm>
-            <a:off x="2154367" y="3922283"/>
+            <a:off x="2465793" y="4892953"/>
             <a:ext cx="0" cy="1098850"/>
-          </a:xfrm>
-          <a:prstGeom prst="line">
-            <a:avLst/>
-          </a:prstGeom>
-          <a:ln w="63500">
-            <a:solidFill>
-              <a:schemeClr val="tx1"/>
-            </a:solidFill>
-          </a:ln>
-        </p:spPr>
-        <p:style>
-          <a:lnRef idx="1">
-            <a:schemeClr val="accent1"/>
-          </a:lnRef>
-          <a:fillRef idx="0">
-            <a:schemeClr val="accent1"/>
-          </a:fillRef>
-          <a:effectRef idx="0">
-            <a:schemeClr val="accent1"/>
-          </a:effectRef>
-          <a:fontRef idx="minor">
-            <a:schemeClr val="tx1"/>
-          </a:fontRef>
-        </p:style>
-      </p:cxnSp>
-      <p:sp>
-        <p:nvSpPr>
-          <p:cNvPr id="2" name="Title 1">
-            <a:extLst>
-              <a:ext uri="{FF2B5EF4-FFF2-40B4-BE49-F238E27FC236}">
-                <a16:creationId xmlns:a16="http://schemas.microsoft.com/office/drawing/2014/main" id="{AD6BE033-67F0-44A3-A6CE-55DE98823A8B}"/>
-              </a:ext>
-            </a:extLst>
-          </p:cNvPr>
-          <p:cNvSpPr>
-            <a:spLocks noGrp="1"/>
-          </p:cNvSpPr>
-          <p:nvPr>
-            <p:ph type="title"/>
-          </p:nvPr>
-        </p:nvSpPr>
-        <p:spPr/>
-        <p:txBody>
-          <a:bodyPr/>
-          <a:lstStyle/>
-          <a:p>
-            <a:r>
-              <a:rPr lang="en-US" dirty="0"/>
-              <a:t>The Future</a:t>
-            </a:r>
-          </a:p>
-        </p:txBody>
-      </p:sp>
-      <p:cxnSp>
-        <p:nvCxnSpPr>
-          <p:cNvPr id="5" name="Straight Arrow Connector 4">
-            <a:extLst>
-              <a:ext uri="{FF2B5EF4-FFF2-40B4-BE49-F238E27FC236}">
-                <a16:creationId xmlns:a16="http://schemas.microsoft.com/office/drawing/2014/main" id="{02DA390F-7E91-4609-8954-8F8B44BAB35D}"/>
-              </a:ext>
-            </a:extLst>
-          </p:cNvPr>
-          <p:cNvCxnSpPr/>
-          <p:nvPr/>
-        </p:nvCxnSpPr>
-        <p:spPr>
-          <a:xfrm>
-            <a:off x="1139687" y="3935896"/>
-            <a:ext cx="9289774" cy="0"/>
-          </a:xfrm>
-          <a:prstGeom prst="straightConnector1">
-            <a:avLst/>
-          </a:prstGeom>
-          <a:ln w="190500">
-            <a:tailEnd type="triangle"/>
-          </a:ln>
-        </p:spPr>
-        <p:style>
-          <a:lnRef idx="1">
-            <a:schemeClr val="accent1"/>
-          </a:lnRef>
-          <a:fillRef idx="0">
-            <a:schemeClr val="accent1"/>
-          </a:fillRef>
-          <a:effectRef idx="0">
-            <a:schemeClr val="accent1"/>
-          </a:effectRef>
-          <a:fontRef idx="minor">
-            <a:schemeClr val="tx1"/>
-          </a:fontRef>
-        </p:style>
-      </p:cxnSp>
-      <p:sp>
-        <p:nvSpPr>
-          <p:cNvPr id="6" name="TextBox 5">
-            <a:extLst>
-              <a:ext uri="{FF2B5EF4-FFF2-40B4-BE49-F238E27FC236}">
-                <a16:creationId xmlns:a16="http://schemas.microsoft.com/office/drawing/2014/main" id="{34B2DAB2-34DE-4D7F-B82E-346E90895E09}"/>
-              </a:ext>
-            </a:extLst>
-          </p:cNvPr>
-          <p:cNvSpPr txBox="1"/>
-          <p:nvPr/>
-        </p:nvSpPr>
-        <p:spPr>
-          <a:xfrm>
-            <a:off x="2717146" y="4414741"/>
-            <a:ext cx="3084437" cy="923330"/>
-          </a:xfrm>
-          <a:prstGeom prst="rect">
-            <a:avLst/>
-          </a:prstGeom>
-          <a:noFill/>
-        </p:spPr>
-        <p:txBody>
-          <a:bodyPr wrap="square" rtlCol="0">
-            <a:spAutoFit/>
-          </a:bodyPr>
-          <a:lstStyle/>
-          <a:p>
-            <a:r>
-              <a:rPr lang="en-US" dirty="0"/>
-              <a:t>UI Redesign</a:t>
-            </a:r>
-          </a:p>
-          <a:p>
-            <a:r>
-              <a:rPr lang="en-US" dirty="0"/>
-              <a:t>Add Image Support</a:t>
-            </a:r>
-          </a:p>
-          <a:p>
-            <a:r>
-              <a:rPr lang="en-US" dirty="0"/>
-              <a:t>Handle null values in UI display</a:t>
-            </a:r>
-          </a:p>
-        </p:txBody>
-      </p:sp>
-      <p:sp>
-        <p:nvSpPr>
-          <p:cNvPr id="7" name="TextBox 6">
-            <a:extLst>
-              <a:ext uri="{FF2B5EF4-FFF2-40B4-BE49-F238E27FC236}">
-                <a16:creationId xmlns:a16="http://schemas.microsoft.com/office/drawing/2014/main" id="{0FCA2181-48D8-46EA-8E70-FAB92C816809}"/>
-              </a:ext>
-            </a:extLst>
-          </p:cNvPr>
-          <p:cNvSpPr txBox="1"/>
-          <p:nvPr/>
-        </p:nvSpPr>
-        <p:spPr>
-          <a:xfrm>
-            <a:off x="5221359" y="2585736"/>
-            <a:ext cx="2093844" cy="646331"/>
-          </a:xfrm>
-          <a:prstGeom prst="rect">
-            <a:avLst/>
-          </a:prstGeom>
-          <a:noFill/>
-        </p:spPr>
-        <p:txBody>
-          <a:bodyPr wrap="square" rtlCol="0">
-            <a:spAutoFit/>
-          </a:bodyPr>
-          <a:lstStyle/>
-          <a:p>
-            <a:r>
-              <a:rPr lang="en-US" dirty="0"/>
-              <a:t>Change file system to SQL Database</a:t>
-            </a:r>
-          </a:p>
-        </p:txBody>
-      </p:sp>
-      <p:sp>
-        <p:nvSpPr>
-          <p:cNvPr id="8" name="TextBox 7">
-            <a:extLst>
-              <a:ext uri="{FF2B5EF4-FFF2-40B4-BE49-F238E27FC236}">
-                <a16:creationId xmlns:a16="http://schemas.microsoft.com/office/drawing/2014/main" id="{E8ED4B70-8A8D-4BE6-8980-DBBDD6BB89F3}"/>
-              </a:ext>
-            </a:extLst>
-          </p:cNvPr>
-          <p:cNvSpPr txBox="1"/>
-          <p:nvPr/>
-        </p:nvSpPr>
-        <p:spPr>
-          <a:xfrm>
-            <a:off x="838200" y="2493640"/>
-            <a:ext cx="2093844" cy="923330"/>
-          </a:xfrm>
-          <a:prstGeom prst="rect">
-            <a:avLst/>
-          </a:prstGeom>
-          <a:noFill/>
-        </p:spPr>
-        <p:txBody>
-          <a:bodyPr wrap="square" rtlCol="0">
-            <a:spAutoFit/>
-          </a:bodyPr>
-          <a:lstStyle/>
-          <a:p>
-            <a:r>
-              <a:rPr lang="en-US" dirty="0"/>
-              <a:t>Rework parts of the program to better handle concurrence</a:t>
-            </a:r>
-          </a:p>
-        </p:txBody>
-      </p:sp>
-      <p:sp>
-        <p:nvSpPr>
-          <p:cNvPr id="9" name="TextBox 8">
-            <a:extLst>
-              <a:ext uri="{FF2B5EF4-FFF2-40B4-BE49-F238E27FC236}">
-                <a16:creationId xmlns:a16="http://schemas.microsoft.com/office/drawing/2014/main" id="{32BB423C-7955-46A9-9F4B-FD54CE661DDB}"/>
-              </a:ext>
-            </a:extLst>
-          </p:cNvPr>
-          <p:cNvSpPr txBox="1"/>
-          <p:nvPr/>
-        </p:nvSpPr>
-        <p:spPr>
-          <a:xfrm>
-            <a:off x="7513985" y="4374802"/>
-            <a:ext cx="2093844" cy="646331"/>
-          </a:xfrm>
-          <a:prstGeom prst="rect">
-            <a:avLst/>
-          </a:prstGeom>
-          <a:noFill/>
-        </p:spPr>
-        <p:txBody>
-          <a:bodyPr wrap="square" rtlCol="0">
-            <a:spAutoFit/>
-          </a:bodyPr>
-          <a:lstStyle/>
-          <a:p>
-            <a:r>
-              <a:rPr lang="en-US" dirty="0"/>
-              <a:t>Mobile Applications</a:t>
-            </a:r>
-          </a:p>
-          <a:p>
-            <a:r>
-              <a:rPr lang="en-US" dirty="0"/>
-              <a:t>Website</a:t>
-            </a:r>
-          </a:p>
-        </p:txBody>
-      </p:sp>
-      <p:cxnSp>
-        <p:nvCxnSpPr>
-          <p:cNvPr id="11" name="Straight Connector 10">
-            <a:extLst>
-              <a:ext uri="{FF2B5EF4-FFF2-40B4-BE49-F238E27FC236}">
-                <a16:creationId xmlns:a16="http://schemas.microsoft.com/office/drawing/2014/main" id="{E2952F52-03A7-4227-ADC7-8F7F20EBDF0A}"/>
-              </a:ext>
-            </a:extLst>
-          </p:cNvPr>
-          <p:cNvCxnSpPr>
-            <a:cxnSpLocks/>
-          </p:cNvCxnSpPr>
-          <p:nvPr/>
-        </p:nvCxnSpPr>
-        <p:spPr>
-          <a:xfrm>
-            <a:off x="1881811" y="3514132"/>
-            <a:ext cx="0" cy="421764"/>
           </a:xfrm>
           <a:prstGeom prst="line">
             <a:avLst/>
@@ -7378,10 +7471,221 @@
       </p:cxnSp>
       <p:cxnSp>
         <p:nvCxnSpPr>
+          <p:cNvPr id="7" name="Straight Arrow Connector 6">
+            <a:extLst>
+              <a:ext uri="{FF2B5EF4-FFF2-40B4-BE49-F238E27FC236}">
+                <a16:creationId xmlns:a16="http://schemas.microsoft.com/office/drawing/2014/main" id="{67428463-61A4-4E58-A138-9D5445C189A3}"/>
+              </a:ext>
+            </a:extLst>
+          </p:cNvPr>
+          <p:cNvCxnSpPr/>
+          <p:nvPr/>
+        </p:nvCxnSpPr>
+        <p:spPr>
+          <a:xfrm>
+            <a:off x="1451113" y="4906566"/>
+            <a:ext cx="9289774" cy="0"/>
+          </a:xfrm>
+          <a:prstGeom prst="straightConnector1">
+            <a:avLst/>
+          </a:prstGeom>
+          <a:ln w="190500">
+            <a:tailEnd type="triangle"/>
+          </a:ln>
+        </p:spPr>
+        <p:style>
+          <a:lnRef idx="1">
+            <a:schemeClr val="accent1"/>
+          </a:lnRef>
+          <a:fillRef idx="0">
+            <a:schemeClr val="accent1"/>
+          </a:fillRef>
+          <a:effectRef idx="0">
+            <a:schemeClr val="accent1"/>
+          </a:effectRef>
+          <a:fontRef idx="minor">
+            <a:schemeClr val="tx1"/>
+          </a:fontRef>
+        </p:style>
+      </p:cxnSp>
+      <p:sp>
+        <p:nvSpPr>
+          <p:cNvPr id="8" name="TextBox 7">
+            <a:extLst>
+              <a:ext uri="{FF2B5EF4-FFF2-40B4-BE49-F238E27FC236}">
+                <a16:creationId xmlns:a16="http://schemas.microsoft.com/office/drawing/2014/main" id="{6E0E2D59-8C7F-4C21-8776-56F11B9FA684}"/>
+              </a:ext>
+            </a:extLst>
+          </p:cNvPr>
+          <p:cNvSpPr txBox="1"/>
+          <p:nvPr/>
+        </p:nvSpPr>
+        <p:spPr>
+          <a:xfrm>
+            <a:off x="3028572" y="5385411"/>
+            <a:ext cx="3084437" cy="923330"/>
+          </a:xfrm>
+          <a:prstGeom prst="rect">
+            <a:avLst/>
+          </a:prstGeom>
+          <a:noFill/>
+        </p:spPr>
+        <p:txBody>
+          <a:bodyPr wrap="square" rtlCol="0">
+            <a:spAutoFit/>
+          </a:bodyPr>
+          <a:lstStyle/>
+          <a:p>
+            <a:r>
+              <a:rPr lang="en-US" dirty="0"/>
+              <a:t>UI Redesign</a:t>
+            </a:r>
+          </a:p>
+          <a:p>
+            <a:r>
+              <a:rPr lang="en-US" dirty="0"/>
+              <a:t>Add Image Support</a:t>
+            </a:r>
+          </a:p>
+          <a:p>
+            <a:r>
+              <a:rPr lang="en-US" dirty="0"/>
+              <a:t>Handle null values in UI display</a:t>
+            </a:r>
+          </a:p>
+        </p:txBody>
+      </p:sp>
+      <p:sp>
+        <p:nvSpPr>
+          <p:cNvPr id="9" name="TextBox 8">
+            <a:extLst>
+              <a:ext uri="{FF2B5EF4-FFF2-40B4-BE49-F238E27FC236}">
+                <a16:creationId xmlns:a16="http://schemas.microsoft.com/office/drawing/2014/main" id="{0B75BA03-018D-43CF-83DE-9F5FD12BFDEE}"/>
+              </a:ext>
+            </a:extLst>
+          </p:cNvPr>
+          <p:cNvSpPr txBox="1"/>
+          <p:nvPr/>
+        </p:nvSpPr>
+        <p:spPr>
+          <a:xfrm>
+            <a:off x="5532785" y="3556406"/>
+            <a:ext cx="2093844" cy="646331"/>
+          </a:xfrm>
+          <a:prstGeom prst="rect">
+            <a:avLst/>
+          </a:prstGeom>
+          <a:noFill/>
+        </p:spPr>
+        <p:txBody>
+          <a:bodyPr wrap="square" rtlCol="0">
+            <a:spAutoFit/>
+          </a:bodyPr>
+          <a:lstStyle/>
+          <a:p>
+            <a:r>
+              <a:rPr lang="en-US" dirty="0"/>
+              <a:t>Change file system to SQL Database</a:t>
+            </a:r>
+          </a:p>
+        </p:txBody>
+      </p:sp>
+      <p:sp>
+        <p:nvSpPr>
+          <p:cNvPr id="10" name="TextBox 9">
+            <a:extLst>
+              <a:ext uri="{FF2B5EF4-FFF2-40B4-BE49-F238E27FC236}">
+                <a16:creationId xmlns:a16="http://schemas.microsoft.com/office/drawing/2014/main" id="{81217D29-D898-4EA0-9A50-14CA92FC52EC}"/>
+              </a:ext>
+            </a:extLst>
+          </p:cNvPr>
+          <p:cNvSpPr txBox="1"/>
+          <p:nvPr/>
+        </p:nvSpPr>
+        <p:spPr>
+          <a:xfrm>
+            <a:off x="1149626" y="3464310"/>
+            <a:ext cx="2093844" cy="923330"/>
+          </a:xfrm>
+          <a:prstGeom prst="rect">
+            <a:avLst/>
+          </a:prstGeom>
+          <a:noFill/>
+        </p:spPr>
+        <p:txBody>
+          <a:bodyPr wrap="square" rtlCol="0">
+            <a:spAutoFit/>
+          </a:bodyPr>
+          <a:lstStyle/>
+          <a:p>
+            <a:r>
+              <a:rPr lang="en-US" dirty="0"/>
+              <a:t>Rework parts of the program to better handle concurrence</a:t>
+            </a:r>
+          </a:p>
+        </p:txBody>
+      </p:sp>
+      <p:sp>
+        <p:nvSpPr>
+          <p:cNvPr id="11" name="TextBox 10">
+            <a:extLst>
+              <a:ext uri="{FF2B5EF4-FFF2-40B4-BE49-F238E27FC236}">
+                <a16:creationId xmlns:a16="http://schemas.microsoft.com/office/drawing/2014/main" id="{7242FF25-7AAA-4E35-8E48-0B43224213BC}"/>
+              </a:ext>
+            </a:extLst>
+          </p:cNvPr>
+          <p:cNvSpPr txBox="1"/>
+          <p:nvPr/>
+        </p:nvSpPr>
+        <p:spPr>
+          <a:xfrm>
+            <a:off x="7867020" y="5287565"/>
+            <a:ext cx="2093844" cy="1477328"/>
+          </a:xfrm>
+          <a:prstGeom prst="rect">
+            <a:avLst/>
+          </a:prstGeom>
+          <a:noFill/>
+        </p:spPr>
+        <p:txBody>
+          <a:bodyPr wrap="square" rtlCol="0">
+            <a:spAutoFit/>
+          </a:bodyPr>
+          <a:lstStyle/>
+          <a:p>
+            <a:r>
+              <a:rPr lang="en-US" dirty="0"/>
+              <a:t>Mobile Applications</a:t>
+            </a:r>
+          </a:p>
+          <a:p>
+            <a:r>
+              <a:rPr lang="en-US" dirty="0"/>
+              <a:t>Website (HTML and </a:t>
+            </a:r>
+            <a:r>
+              <a:rPr lang="en-US" dirty="0" err="1"/>
+              <a:t>Javascript</a:t>
+            </a:r>
+            <a:r>
+              <a:rPr lang="en-US" dirty="0"/>
+              <a:t> for front-end,</a:t>
+            </a:r>
+          </a:p>
+          <a:p>
+            <a:r>
+              <a:rPr lang="en-US" dirty="0"/>
+              <a:t>Java back-end</a:t>
+            </a:r>
+          </a:p>
+        </p:txBody>
+      </p:sp>
+      <p:cxnSp>
+        <p:nvCxnSpPr>
           <p:cNvPr id="12" name="Straight Connector 11">
             <a:extLst>
               <a:ext uri="{FF2B5EF4-FFF2-40B4-BE49-F238E27FC236}">
-                <a16:creationId xmlns:a16="http://schemas.microsoft.com/office/drawing/2014/main" id="{8B175B6D-64D4-41BD-BCEA-58C05D274B35}"/>
+                <a16:creationId xmlns:a16="http://schemas.microsoft.com/office/drawing/2014/main" id="{4D65401F-E33A-40E6-A064-54A20D91B1A3}"/>
               </a:ext>
             </a:extLst>
           </p:cNvPr>
@@ -7392,8 +7696,8 @@
         </p:nvCxnSpPr>
         <p:spPr>
           <a:xfrm>
-            <a:off x="3783498" y="3935896"/>
-            <a:ext cx="0" cy="466131"/>
+            <a:off x="2193237" y="4484802"/>
+            <a:ext cx="0" cy="421764"/>
           </a:xfrm>
           <a:prstGeom prst="line">
             <a:avLst/>
@@ -7424,7 +7728,7 @@
           <p:cNvPr id="13" name="Straight Connector 12">
             <a:extLst>
               <a:ext uri="{FF2B5EF4-FFF2-40B4-BE49-F238E27FC236}">
-                <a16:creationId xmlns:a16="http://schemas.microsoft.com/office/drawing/2014/main" id="{0DA2875C-9A7E-466E-8C8E-5F5B3F86BEF9}"/>
+                <a16:creationId xmlns:a16="http://schemas.microsoft.com/office/drawing/2014/main" id="{8F27EB78-B958-4F52-82B3-7DB527495E2A}"/>
               </a:ext>
             </a:extLst>
           </p:cNvPr>
@@ -7434,9 +7738,9 @@
           <p:nvPr/>
         </p:nvCxnSpPr>
         <p:spPr>
-          <a:xfrm flipH="1">
-            <a:off x="6095999" y="3486907"/>
-            <a:ext cx="1" cy="448989"/>
+          <a:xfrm>
+            <a:off x="4094924" y="4906566"/>
+            <a:ext cx="0" cy="466131"/>
           </a:xfrm>
           <a:prstGeom prst="line">
             <a:avLst/>
@@ -7467,7 +7771,7 @@
           <p:cNvPr id="14" name="Straight Connector 13">
             <a:extLst>
               <a:ext uri="{FF2B5EF4-FFF2-40B4-BE49-F238E27FC236}">
-                <a16:creationId xmlns:a16="http://schemas.microsoft.com/office/drawing/2014/main" id="{8C5ACB3B-DFB0-49B9-9812-9D5284133BF6}"/>
+                <a16:creationId xmlns:a16="http://schemas.microsoft.com/office/drawing/2014/main" id="{C23BD77B-7BAD-40D7-8A57-BCE249B3D75A}"/>
               </a:ext>
             </a:extLst>
           </p:cNvPr>
@@ -7477,9 +7781,9 @@
           <p:nvPr/>
         </p:nvCxnSpPr>
         <p:spPr>
-          <a:xfrm>
-            <a:off x="8342246" y="3821373"/>
-            <a:ext cx="0" cy="495522"/>
+          <a:xfrm flipH="1">
+            <a:off x="6407425" y="4457577"/>
+            <a:ext cx="1" cy="448989"/>
           </a:xfrm>
           <a:prstGeom prst="line">
             <a:avLst/>
@@ -7505,82 +7809,12 @@
           </a:fontRef>
         </p:style>
       </p:cxnSp>
-      <p:sp>
-        <p:nvSpPr>
-          <p:cNvPr id="15" name="TextBox 14">
-            <a:extLst>
-              <a:ext uri="{FF2B5EF4-FFF2-40B4-BE49-F238E27FC236}">
-                <a16:creationId xmlns:a16="http://schemas.microsoft.com/office/drawing/2014/main" id="{06562372-CB2D-4004-8109-B5542BD98272}"/>
-              </a:ext>
-            </a:extLst>
-          </p:cNvPr>
-          <p:cNvSpPr txBox="1"/>
-          <p:nvPr/>
-        </p:nvSpPr>
-        <p:spPr>
-          <a:xfrm>
-            <a:off x="53012" y="3549781"/>
-            <a:ext cx="1219202" cy="646331"/>
-          </a:xfrm>
-          <a:prstGeom prst="rect">
-            <a:avLst/>
-          </a:prstGeom>
-          <a:noFill/>
-        </p:spPr>
-        <p:txBody>
-          <a:bodyPr wrap="square" rtlCol="0">
-            <a:spAutoFit/>
-          </a:bodyPr>
-          <a:lstStyle/>
-          <a:p>
-            <a:r>
-              <a:rPr lang="en-US" sz="3600" dirty="0"/>
-              <a:t>Now</a:t>
-            </a:r>
-          </a:p>
-        </p:txBody>
-      </p:sp>
-      <p:sp>
-        <p:nvSpPr>
-          <p:cNvPr id="16" name="TextBox 15">
-            <a:extLst>
-              <a:ext uri="{FF2B5EF4-FFF2-40B4-BE49-F238E27FC236}">
-                <a16:creationId xmlns:a16="http://schemas.microsoft.com/office/drawing/2014/main" id="{6EE13FE8-FAFA-4A96-9A89-31E0B945D946}"/>
-              </a:ext>
-            </a:extLst>
-          </p:cNvPr>
-          <p:cNvSpPr txBox="1"/>
-          <p:nvPr/>
-        </p:nvSpPr>
-        <p:spPr>
-          <a:xfrm>
-            <a:off x="10426146" y="3469766"/>
-            <a:ext cx="2093844" cy="1200329"/>
-          </a:xfrm>
-          <a:prstGeom prst="rect">
-            <a:avLst/>
-          </a:prstGeom>
-          <a:noFill/>
-        </p:spPr>
-        <p:txBody>
-          <a:bodyPr wrap="square" rtlCol="0">
-            <a:spAutoFit/>
-          </a:bodyPr>
-          <a:lstStyle/>
-          <a:p>
-            <a:r>
-              <a:rPr lang="en-US" sz="3600" dirty="0"/>
-              <a:t>Version 1.0</a:t>
-            </a:r>
-          </a:p>
-        </p:txBody>
-      </p:sp>
       <p:cxnSp>
         <p:nvCxnSpPr>
-          <p:cNvPr id="17" name="Straight Connector 16">
-            <a:extLst>
-              <a:ext uri="{FF2B5EF4-FFF2-40B4-BE49-F238E27FC236}">
-                <a16:creationId xmlns:a16="http://schemas.microsoft.com/office/drawing/2014/main" id="{8A0051E6-7E6E-4B79-9B2D-F6CA0A36B3EF}"/>
+          <p:cNvPr id="15" name="Straight Connector 14">
+            <a:extLst>
+              <a:ext uri="{FF2B5EF4-FFF2-40B4-BE49-F238E27FC236}">
+                <a16:creationId xmlns:a16="http://schemas.microsoft.com/office/drawing/2014/main" id="{6F028706-7F57-44EE-AD7C-841EC89BB329}"/>
               </a:ext>
             </a:extLst>
           </p:cNvPr>
@@ -7591,8 +7825,8 @@
         </p:nvCxnSpPr>
         <p:spPr>
           <a:xfrm>
-            <a:off x="6925153" y="3935896"/>
-            <a:ext cx="0" cy="1218213"/>
+            <a:off x="8653672" y="4792043"/>
+            <a:ext cx="0" cy="495522"/>
           </a:xfrm>
           <a:prstGeom prst="line">
             <a:avLst/>
@@ -7618,59 +7852,12 @@
           </a:fontRef>
         </p:style>
       </p:cxnSp>
-      <p:sp>
-        <p:nvSpPr>
-          <p:cNvPr id="19" name="TextBox 18">
-            <a:extLst>
-              <a:ext uri="{FF2B5EF4-FFF2-40B4-BE49-F238E27FC236}">
-                <a16:creationId xmlns:a16="http://schemas.microsoft.com/office/drawing/2014/main" id="{8EF888D4-9710-413D-8822-5D7E9EC47C88}"/>
-              </a:ext>
-            </a:extLst>
-          </p:cNvPr>
-          <p:cNvSpPr txBox="1"/>
-          <p:nvPr/>
-        </p:nvSpPr>
-        <p:spPr>
-          <a:xfrm>
-            <a:off x="6095999" y="5154109"/>
-            <a:ext cx="3511829" cy="1477328"/>
-          </a:xfrm>
-          <a:prstGeom prst="rect">
-            <a:avLst/>
-          </a:prstGeom>
-          <a:noFill/>
-        </p:spPr>
-        <p:txBody>
-          <a:bodyPr wrap="square" rtlCol="0">
-            <a:spAutoFit/>
-          </a:bodyPr>
-          <a:lstStyle/>
-          <a:p>
-            <a:r>
-              <a:rPr lang="en-US" dirty="0"/>
-              <a:t>Add more club features</a:t>
-            </a:r>
-          </a:p>
-          <a:p>
-            <a:r>
-              <a:rPr lang="en-US" dirty="0"/>
-              <a:t>Joining clubs through the program, notifications</a:t>
-            </a:r>
-          </a:p>
-          <a:p>
-            <a:r>
-              <a:rPr lang="en-US" dirty="0"/>
-              <a:t>President can edit club info in program</a:t>
-            </a:r>
-          </a:p>
-        </p:txBody>
-      </p:sp>
       <p:cxnSp>
         <p:nvCxnSpPr>
-          <p:cNvPr id="27" name="Straight Connector 26">
-            <a:extLst>
-              <a:ext uri="{FF2B5EF4-FFF2-40B4-BE49-F238E27FC236}">
-                <a16:creationId xmlns:a16="http://schemas.microsoft.com/office/drawing/2014/main" id="{A8599F51-0D21-4688-B015-10421E3F3948}"/>
+          <p:cNvPr id="16" name="Straight Connector 15">
+            <a:extLst>
+              <a:ext uri="{FF2B5EF4-FFF2-40B4-BE49-F238E27FC236}">
+                <a16:creationId xmlns:a16="http://schemas.microsoft.com/office/drawing/2014/main" id="{EA0FEEA7-42A4-4979-9663-09D8C2B8CDCB}"/>
               </a:ext>
             </a:extLst>
           </p:cNvPr>
@@ -7681,8 +7868,8 @@
         </p:nvCxnSpPr>
         <p:spPr>
           <a:xfrm>
-            <a:off x="4959823" y="2419016"/>
-            <a:ext cx="0" cy="1516880"/>
+            <a:off x="7236579" y="4906566"/>
+            <a:ext cx="0" cy="1218213"/>
           </a:xfrm>
           <a:prstGeom prst="line">
             <a:avLst/>
@@ -7708,47 +7895,12 @@
           </a:fontRef>
         </p:style>
       </p:cxnSp>
-      <p:sp>
-        <p:nvSpPr>
-          <p:cNvPr id="28" name="TextBox 27">
-            <a:extLst>
-              <a:ext uri="{FF2B5EF4-FFF2-40B4-BE49-F238E27FC236}">
-                <a16:creationId xmlns:a16="http://schemas.microsoft.com/office/drawing/2014/main" id="{3F911775-61D7-4D57-A9D8-07E2169EFF76}"/>
-              </a:ext>
-            </a:extLst>
-          </p:cNvPr>
-          <p:cNvSpPr txBox="1"/>
-          <p:nvPr/>
-        </p:nvSpPr>
-        <p:spPr>
-          <a:xfrm>
-            <a:off x="2976596" y="2049684"/>
-            <a:ext cx="3511829" cy="369332"/>
-          </a:xfrm>
-          <a:prstGeom prst="rect">
-            <a:avLst/>
-          </a:prstGeom>
-          <a:noFill/>
-        </p:spPr>
-        <p:txBody>
-          <a:bodyPr wrap="square" rtlCol="0">
-            <a:spAutoFit/>
-          </a:bodyPr>
-          <a:lstStyle/>
-          <a:p>
-            <a:r>
-              <a:rPr lang="en-US" dirty="0"/>
-              <a:t>Better messaging system</a:t>
-            </a:r>
-          </a:p>
-        </p:txBody>
-      </p:sp>
       <p:cxnSp>
         <p:nvCxnSpPr>
-          <p:cNvPr id="30" name="Straight Connector 29">
-            <a:extLst>
-              <a:ext uri="{FF2B5EF4-FFF2-40B4-BE49-F238E27FC236}">
-                <a16:creationId xmlns:a16="http://schemas.microsoft.com/office/drawing/2014/main" id="{C456EB05-9A5D-4CA2-844D-3F491CF37578}"/>
+          <p:cNvPr id="17" name="Straight Connector 16">
+            <a:extLst>
+              <a:ext uri="{FF2B5EF4-FFF2-40B4-BE49-F238E27FC236}">
+                <a16:creationId xmlns:a16="http://schemas.microsoft.com/office/drawing/2014/main" id="{B0C3DEA1-3A2F-448C-941B-F41CF53AB1B0}"/>
               </a:ext>
             </a:extLst>
           </p:cNvPr>
@@ -7759,8 +7911,8 @@
         </p:nvCxnSpPr>
         <p:spPr>
           <a:xfrm>
-            <a:off x="3330748" y="3500519"/>
-            <a:ext cx="0" cy="421764"/>
+            <a:off x="5271249" y="3389686"/>
+            <a:ext cx="0" cy="1516880"/>
           </a:xfrm>
           <a:prstGeom prst="line">
             <a:avLst/>
@@ -7788,10 +7940,10 @@
       </p:cxnSp>
       <p:sp>
         <p:nvSpPr>
-          <p:cNvPr id="31" name="TextBox 30">
-            <a:extLst>
-              <a:ext uri="{FF2B5EF4-FFF2-40B4-BE49-F238E27FC236}">
-                <a16:creationId xmlns:a16="http://schemas.microsoft.com/office/drawing/2014/main" id="{418DF9FA-1695-4B64-A346-D05336FDA4B2}"/>
+          <p:cNvPr id="18" name="TextBox 17">
+            <a:extLst>
+              <a:ext uri="{FF2B5EF4-FFF2-40B4-BE49-F238E27FC236}">
+                <a16:creationId xmlns:a16="http://schemas.microsoft.com/office/drawing/2014/main" id="{805D1FA9-BF02-4AD5-850A-157B2E96610E}"/>
               </a:ext>
             </a:extLst>
           </p:cNvPr>
@@ -7800,8 +7952,8 @@
         </p:nvSpPr>
         <p:spPr>
           <a:xfrm>
-            <a:off x="2898910" y="2837048"/>
-            <a:ext cx="2093844" cy="646331"/>
+            <a:off x="3288022" y="3020354"/>
+            <a:ext cx="3511829" cy="369332"/>
           </a:xfrm>
           <a:prstGeom prst="rect">
             <a:avLst/>
@@ -7816,52 +7968,17 @@
           <a:p>
             <a:r>
               <a:rPr lang="en-US" dirty="0"/>
-              <a:t>Allow a user to rename themselves</a:t>
-            </a:r>
-          </a:p>
-        </p:txBody>
-      </p:sp>
-      <p:sp>
-        <p:nvSpPr>
-          <p:cNvPr id="34" name="TextBox 33">
-            <a:extLst>
-              <a:ext uri="{FF2B5EF4-FFF2-40B4-BE49-F238E27FC236}">
-                <a16:creationId xmlns:a16="http://schemas.microsoft.com/office/drawing/2014/main" id="{B9DBBFEE-29F2-4FA4-B380-DB22492825C3}"/>
-              </a:ext>
-            </a:extLst>
-          </p:cNvPr>
-          <p:cNvSpPr txBox="1"/>
-          <p:nvPr/>
-        </p:nvSpPr>
-        <p:spPr>
-          <a:xfrm>
-            <a:off x="1099686" y="5046632"/>
-            <a:ext cx="1832358" cy="369332"/>
-          </a:xfrm>
-          <a:prstGeom prst="rect">
-            <a:avLst/>
-          </a:prstGeom>
-          <a:noFill/>
-        </p:spPr>
-        <p:txBody>
-          <a:bodyPr wrap="square" rtlCol="0">
-            <a:spAutoFit/>
-          </a:bodyPr>
-          <a:lstStyle/>
-          <a:p>
-            <a:r>
-              <a:rPr lang="en-US" dirty="0"/>
-              <a:t>Profanity filters</a:t>
+              <a:t>Better messaging system</a:t>
             </a:r>
           </a:p>
         </p:txBody>
       </p:sp>
       <p:cxnSp>
         <p:nvCxnSpPr>
-          <p:cNvPr id="36" name="Straight Connector 35">
-            <a:extLst>
-              <a:ext uri="{FF2B5EF4-FFF2-40B4-BE49-F238E27FC236}">
-                <a16:creationId xmlns:a16="http://schemas.microsoft.com/office/drawing/2014/main" id="{E0B02586-ED5B-470A-9B70-8A73B5F474AC}"/>
+          <p:cNvPr id="19" name="Straight Connector 18">
+            <a:extLst>
+              <a:ext uri="{FF2B5EF4-FFF2-40B4-BE49-F238E27FC236}">
+                <a16:creationId xmlns:a16="http://schemas.microsoft.com/office/drawing/2014/main" id="{001EB8C7-121B-427A-9C3B-F4260829DC13}"/>
               </a:ext>
             </a:extLst>
           </p:cNvPr>
@@ -7872,8 +7989,8 @@
         </p:nvCxnSpPr>
         <p:spPr>
           <a:xfrm>
-            <a:off x="7242414" y="2356066"/>
-            <a:ext cx="0" cy="1516880"/>
+            <a:off x="3642174" y="4471189"/>
+            <a:ext cx="0" cy="421764"/>
           </a:xfrm>
           <a:prstGeom prst="line">
             <a:avLst/>
@@ -7901,10 +8018,10 @@
       </p:cxnSp>
       <p:sp>
         <p:nvSpPr>
-          <p:cNvPr id="37" name="TextBox 36">
-            <a:extLst>
-              <a:ext uri="{FF2B5EF4-FFF2-40B4-BE49-F238E27FC236}">
-                <a16:creationId xmlns:a16="http://schemas.microsoft.com/office/drawing/2014/main" id="{2D0713D8-6063-4A60-8866-95D2340E31EE}"/>
+          <p:cNvPr id="20" name="TextBox 19">
+            <a:extLst>
+              <a:ext uri="{FF2B5EF4-FFF2-40B4-BE49-F238E27FC236}">
+                <a16:creationId xmlns:a16="http://schemas.microsoft.com/office/drawing/2014/main" id="{3FA40ADE-57C4-4FA3-B804-6A57277EC686}"/>
               </a:ext>
             </a:extLst>
           </p:cNvPr>
@@ -7913,8 +8030,8 @@
         </p:nvSpPr>
         <p:spPr>
           <a:xfrm>
-            <a:off x="6268281" y="1360071"/>
-            <a:ext cx="3915378" cy="923330"/>
+            <a:off x="3210336" y="3807718"/>
+            <a:ext cx="2093844" cy="646331"/>
           </a:xfrm>
           <a:prstGeom prst="rect">
             <a:avLst/>
@@ -7929,7 +8046,190 @@
           <a:p>
             <a:r>
               <a:rPr lang="en-US" dirty="0"/>
-              <a:t>“points” system to help match users that have similar interests or roommate preferences/dislikes</a:t>
+              <a:t>Allow a user to rename themselves</a:t>
+            </a:r>
+          </a:p>
+        </p:txBody>
+      </p:sp>
+      <p:sp>
+        <p:nvSpPr>
+          <p:cNvPr id="21" name="TextBox 20">
+            <a:extLst>
+              <a:ext uri="{FF2B5EF4-FFF2-40B4-BE49-F238E27FC236}">
+                <a16:creationId xmlns:a16="http://schemas.microsoft.com/office/drawing/2014/main" id="{E36A58F1-8A5B-4989-8AC8-94518A103BF0}"/>
+              </a:ext>
+            </a:extLst>
+          </p:cNvPr>
+          <p:cNvSpPr txBox="1"/>
+          <p:nvPr/>
+        </p:nvSpPr>
+        <p:spPr>
+          <a:xfrm>
+            <a:off x="1411112" y="6017302"/>
+            <a:ext cx="1832358" cy="369332"/>
+          </a:xfrm>
+          <a:prstGeom prst="rect">
+            <a:avLst/>
+          </a:prstGeom>
+          <a:noFill/>
+        </p:spPr>
+        <p:txBody>
+          <a:bodyPr wrap="square" rtlCol="0">
+            <a:spAutoFit/>
+          </a:bodyPr>
+          <a:lstStyle/>
+          <a:p>
+            <a:r>
+              <a:rPr lang="en-US" dirty="0"/>
+              <a:t>Profanity filters</a:t>
+            </a:r>
+          </a:p>
+        </p:txBody>
+      </p:sp>
+      <p:cxnSp>
+        <p:nvCxnSpPr>
+          <p:cNvPr id="22" name="Straight Connector 21">
+            <a:extLst>
+              <a:ext uri="{FF2B5EF4-FFF2-40B4-BE49-F238E27FC236}">
+                <a16:creationId xmlns:a16="http://schemas.microsoft.com/office/drawing/2014/main" id="{F3AD3EB6-2FA7-430F-9FB8-16A32E07A87F}"/>
+              </a:ext>
+            </a:extLst>
+          </p:cNvPr>
+          <p:cNvCxnSpPr>
+            <a:cxnSpLocks/>
+          </p:cNvCxnSpPr>
+          <p:nvPr/>
+        </p:nvCxnSpPr>
+        <p:spPr>
+          <a:xfrm>
+            <a:off x="7553840" y="3326736"/>
+            <a:ext cx="0" cy="1516880"/>
+          </a:xfrm>
+          <a:prstGeom prst="line">
+            <a:avLst/>
+          </a:prstGeom>
+          <a:ln w="63500">
+            <a:solidFill>
+              <a:schemeClr val="tx1"/>
+            </a:solidFill>
+          </a:ln>
+        </p:spPr>
+        <p:style>
+          <a:lnRef idx="1">
+            <a:schemeClr val="accent1"/>
+          </a:lnRef>
+          <a:fillRef idx="0">
+            <a:schemeClr val="accent1"/>
+          </a:fillRef>
+          <a:effectRef idx="0">
+            <a:schemeClr val="accent1"/>
+          </a:effectRef>
+          <a:fontRef idx="minor">
+            <a:schemeClr val="tx1"/>
+          </a:fontRef>
+        </p:style>
+      </p:cxnSp>
+      <p:sp>
+        <p:nvSpPr>
+          <p:cNvPr id="23" name="TextBox 22">
+            <a:extLst>
+              <a:ext uri="{FF2B5EF4-FFF2-40B4-BE49-F238E27FC236}">
+                <a16:creationId xmlns:a16="http://schemas.microsoft.com/office/drawing/2014/main" id="{47C3F240-BDCB-4D98-B390-2EBFEBDB87C2}"/>
+              </a:ext>
+            </a:extLst>
+          </p:cNvPr>
+          <p:cNvSpPr txBox="1"/>
+          <p:nvPr/>
+        </p:nvSpPr>
+        <p:spPr>
+          <a:xfrm>
+            <a:off x="6579707" y="2330741"/>
+            <a:ext cx="3915378" cy="923330"/>
+          </a:xfrm>
+          <a:prstGeom prst="rect">
+            <a:avLst/>
+          </a:prstGeom>
+          <a:noFill/>
+        </p:spPr>
+        <p:txBody>
+          <a:bodyPr wrap="square" rtlCol="0">
+            <a:spAutoFit/>
+          </a:bodyPr>
+          <a:lstStyle/>
+          <a:p>
+            <a:r>
+              <a:rPr lang="en-US" dirty="0"/>
+              <a:t>“Points” system to help match users that have similar interests or roommate preferences/dislikes</a:t>
+            </a:r>
+          </a:p>
+        </p:txBody>
+      </p:sp>
+      <p:sp>
+        <p:nvSpPr>
+          <p:cNvPr id="24" name="TextBox 23">
+            <a:extLst>
+              <a:ext uri="{FF2B5EF4-FFF2-40B4-BE49-F238E27FC236}">
+                <a16:creationId xmlns:a16="http://schemas.microsoft.com/office/drawing/2014/main" id="{E81A7A5A-D804-4840-B7BB-C7B4A8008B86}"/>
+              </a:ext>
+            </a:extLst>
+          </p:cNvPr>
+          <p:cNvSpPr txBox="1"/>
+          <p:nvPr/>
+        </p:nvSpPr>
+        <p:spPr>
+          <a:xfrm>
+            <a:off x="191910" y="4439609"/>
+            <a:ext cx="1219202" cy="646331"/>
+          </a:xfrm>
+          <a:prstGeom prst="rect">
+            <a:avLst/>
+          </a:prstGeom>
+          <a:noFill/>
+        </p:spPr>
+        <p:txBody>
+          <a:bodyPr wrap="square" rtlCol="0">
+            <a:spAutoFit/>
+          </a:bodyPr>
+          <a:lstStyle/>
+          <a:p>
+            <a:r>
+              <a:rPr lang="en-US" sz="3600" dirty="0"/>
+              <a:t>Now</a:t>
+            </a:r>
+          </a:p>
+        </p:txBody>
+      </p:sp>
+      <p:sp>
+        <p:nvSpPr>
+          <p:cNvPr id="25" name="TextBox 24">
+            <a:extLst>
+              <a:ext uri="{FF2B5EF4-FFF2-40B4-BE49-F238E27FC236}">
+                <a16:creationId xmlns:a16="http://schemas.microsoft.com/office/drawing/2014/main" id="{F5B6DF36-7E2F-40D7-B605-D55B0D01ACAA}"/>
+              </a:ext>
+            </a:extLst>
+          </p:cNvPr>
+          <p:cNvSpPr txBox="1"/>
+          <p:nvPr/>
+        </p:nvSpPr>
+        <p:spPr>
+          <a:xfrm>
+            <a:off x="10565044" y="4359594"/>
+            <a:ext cx="2093844" cy="1200329"/>
+          </a:xfrm>
+          <a:prstGeom prst="rect">
+            <a:avLst/>
+          </a:prstGeom>
+          <a:noFill/>
+        </p:spPr>
+        <p:txBody>
+          <a:bodyPr wrap="square" rtlCol="0">
+            <a:spAutoFit/>
+          </a:bodyPr>
+          <a:lstStyle/>
+          <a:p>
+            <a:r>
+              <a:rPr lang="en-US" sz="3600" dirty="0"/>
+              <a:t>Version 1.0</a:t>
             </a:r>
           </a:p>
         </p:txBody>
@@ -7937,7 +8237,7 @@
     </p:spTree>
     <p:extLst>
       <p:ext uri="{BB962C8B-B14F-4D97-AF65-F5344CB8AC3E}">
-        <p14:creationId xmlns:p14="http://schemas.microsoft.com/office/powerpoint/2010/main" val="2196739726"/>
+        <p14:creationId xmlns:p14="http://schemas.microsoft.com/office/powerpoint/2010/main" val="846915563"/>
       </p:ext>
     </p:extLst>
   </p:cSld>
@@ -7969,7 +8269,7 @@
           <p:cNvPr id="2" name="Title 1">
             <a:extLst>
               <a:ext uri="{FF2B5EF4-FFF2-40B4-BE49-F238E27FC236}">
-                <a16:creationId xmlns:a16="http://schemas.microsoft.com/office/drawing/2014/main" id="{2643B755-4553-4B33-8D41-731028B770E2}"/>
+                <a16:creationId xmlns:a16="http://schemas.microsoft.com/office/drawing/2014/main" id="{E3047731-E3FB-4C66-8C1C-B6A1C1F4C0C9}"/>
               </a:ext>
             </a:extLst>
           </p:cNvPr>
@@ -7986,10 +8286,9 @@
           <a:lstStyle/>
           <a:p>
             <a:r>
-              <a:rPr lang="en-US" dirty="0" err="1"/>
-              <a:t>FileIO</a:t>
-            </a:r>
-            <a:endParaRPr lang="en-US" dirty="0"/>
+              <a:rPr lang="en-US" dirty="0"/>
+              <a:t>Premise</a:t>
+            </a:r>
           </a:p>
         </p:txBody>
       </p:sp>
@@ -7998,7 +8297,7 @@
           <p:cNvPr id="3" name="Content Placeholder 2">
             <a:extLst>
               <a:ext uri="{FF2B5EF4-FFF2-40B4-BE49-F238E27FC236}">
-                <a16:creationId xmlns:a16="http://schemas.microsoft.com/office/drawing/2014/main" id="{326CA8FB-C741-4D83-8AC7-AEAD89987FAF}"/>
+                <a16:creationId xmlns:a16="http://schemas.microsoft.com/office/drawing/2014/main" id="{5532F622-9F25-4372-8082-ABBCED8B2095}"/>
               </a:ext>
             </a:extLst>
           </p:cNvPr>
@@ -8014,61 +8313,30 @@
           <a:bodyPr/>
           <a:lstStyle/>
           <a:p>
+            <a:pPr marL="0" indent="0">
+              <a:buNone/>
+            </a:pPr>
             <a:r>
               <a:rPr lang="en-US" dirty="0"/>
-              <a:t>Handles the file structure and creating Person/Club objects</a:t>
-            </a:r>
-          </a:p>
-          <a:p>
+              <a:t>App designed to streamline the process of finding a college roommate</a:t>
+            </a:r>
+          </a:p>
+          <a:p>
+            <a:pPr marL="0" indent="0">
+              <a:buNone/>
+            </a:pPr>
             <a:r>
               <a:rPr lang="en-US" dirty="0"/>
-              <a:t>Consists entirely of static methods</a:t>
-            </a:r>
-          </a:p>
-          <a:p>
-            <a:r>
-              <a:rPr lang="en-US" dirty="0" err="1"/>
-              <a:t>startUp</a:t>
-            </a:r>
+              <a:t>Future plans are to also include features such as connecting with others and finding/interacting with clubs</a:t>
+            </a:r>
+          </a:p>
+          <a:p>
+            <a:pPr marL="0" indent="0">
+              <a:buNone/>
+            </a:pPr>
             <a:r>
               <a:rPr lang="en-US" dirty="0"/>
-              <a:t> method creates the necessary files right away during runtime if not already present</a:t>
-            </a:r>
-          </a:p>
-          <a:p>
-            <a:r>
-              <a:rPr lang="en-US" dirty="0"/>
-              <a:t>When the program calls </a:t>
-            </a:r>
-            <a:r>
-              <a:rPr lang="en-US" dirty="0" err="1"/>
-              <a:t>FileIO.readProfiles</a:t>
-            </a:r>
-            <a:r>
-              <a:rPr lang="en-US" dirty="0"/>
-              <a:t>(), the program looks at the personIdFile.txt and starts reading the lines of the file</a:t>
-            </a:r>
-          </a:p>
-          <a:p>
-            <a:pPr lvl="1"/>
-            <a:r>
-              <a:rPr lang="en-US" dirty="0"/>
-              <a:t>Each line corresponds to a folder inside resources/profiles</a:t>
-            </a:r>
-          </a:p>
-          <a:p>
-            <a:pPr lvl="2"/>
-            <a:r>
-              <a:rPr lang="en-US" dirty="0"/>
-              <a:t>The program then looks inside the respective folder and reads the contents of </a:t>
-            </a:r>
-            <a:r>
-              <a:rPr lang="en-US" b="1" dirty="0"/>
-              <a:t>account.txt</a:t>
-            </a:r>
-            <a:r>
-              <a:rPr lang="en-US" dirty="0"/>
-              <a:t> and uses this to create Person objects</a:t>
+              <a:t>Similar to navigate app, but more geared toward the social aspect of college life</a:t>
             </a:r>
           </a:p>
         </p:txBody>
@@ -8076,7 +8344,7 @@
     </p:spTree>
     <p:extLst>
       <p:ext uri="{BB962C8B-B14F-4D97-AF65-F5344CB8AC3E}">
-        <p14:creationId xmlns:p14="http://schemas.microsoft.com/office/powerpoint/2010/main" val="60992249"/>
+        <p14:creationId xmlns:p14="http://schemas.microsoft.com/office/powerpoint/2010/main" val="2723443420"/>
       </p:ext>
     </p:extLst>
   </p:cSld>
@@ -8103,442 +8371,6 @@
           <a:chExt cx="0" cy="0"/>
         </a:xfrm>
       </p:grpSpPr>
-      <p:sp>
-        <p:nvSpPr>
-          <p:cNvPr id="2" name="Title 1">
-            <a:extLst>
-              <a:ext uri="{FF2B5EF4-FFF2-40B4-BE49-F238E27FC236}">
-                <a16:creationId xmlns:a16="http://schemas.microsoft.com/office/drawing/2014/main" id="{823A9B82-E1B8-44A6-8A64-30E6D18494B9}"/>
-              </a:ext>
-            </a:extLst>
-          </p:cNvPr>
-          <p:cNvSpPr>
-            <a:spLocks noGrp="1"/>
-          </p:cNvSpPr>
-          <p:nvPr>
-            <p:ph type="title"/>
-          </p:nvPr>
-        </p:nvSpPr>
-        <p:spPr/>
-        <p:txBody>
-          <a:bodyPr/>
-          <a:lstStyle/>
-          <a:p>
-            <a:r>
-              <a:rPr lang="en-US" dirty="0" err="1"/>
-              <a:t>RunnerGUI</a:t>
-            </a:r>
-            <a:endParaRPr lang="en-US" dirty="0"/>
-          </a:p>
-        </p:txBody>
-      </p:sp>
-      <p:sp>
-        <p:nvSpPr>
-          <p:cNvPr id="3" name="Content Placeholder 2">
-            <a:extLst>
-              <a:ext uri="{FF2B5EF4-FFF2-40B4-BE49-F238E27FC236}">
-                <a16:creationId xmlns:a16="http://schemas.microsoft.com/office/drawing/2014/main" id="{1CAA0A79-D99A-4A55-979F-537E924AD583}"/>
-              </a:ext>
-            </a:extLst>
-          </p:cNvPr>
-          <p:cNvSpPr>
-            <a:spLocks noGrp="1"/>
-          </p:cNvSpPr>
-          <p:nvPr>
-            <p:ph idx="1"/>
-          </p:nvPr>
-        </p:nvSpPr>
-        <p:spPr/>
-        <p:txBody>
-          <a:bodyPr/>
-          <a:lstStyle/>
-          <a:p>
-            <a:r>
-              <a:rPr lang="en-US" dirty="0"/>
-              <a:t>GUI part of the project</a:t>
-            </a:r>
-          </a:p>
-          <a:p>
-            <a:r>
-              <a:rPr lang="en-US" dirty="0"/>
-              <a:t>Multi-threaded</a:t>
-            </a:r>
-          </a:p>
-          <a:p>
-            <a:pPr lvl="1"/>
-            <a:r>
-              <a:rPr lang="en-US" dirty="0"/>
-              <a:t>The main thread is what takes care of most of the functionality</a:t>
-            </a:r>
-          </a:p>
-          <a:p>
-            <a:pPr lvl="1"/>
-            <a:r>
-              <a:rPr lang="en-US" dirty="0"/>
-              <a:t>The second thread only takes care of time-based updates, such as updating the messages in the </a:t>
-            </a:r>
-            <a:r>
-              <a:rPr lang="en-US" dirty="0" err="1"/>
-              <a:t>FindRoommatePanel</a:t>
-            </a:r>
-            <a:endParaRPr lang="en-US" dirty="0"/>
-          </a:p>
-          <a:p>
-            <a:r>
-              <a:rPr lang="en-US" dirty="0"/>
-              <a:t>Uses </a:t>
-            </a:r>
-            <a:r>
-              <a:rPr lang="en-US" dirty="0" err="1"/>
-              <a:t>JFrame</a:t>
-            </a:r>
-            <a:endParaRPr lang="en-US" dirty="0"/>
-          </a:p>
-          <a:p>
-            <a:r>
-              <a:rPr lang="en-US" dirty="0"/>
-              <a:t>Has lots of inner classes for the different panels and such shown</a:t>
-            </a:r>
-          </a:p>
-          <a:p>
-            <a:r>
-              <a:rPr lang="en-US" dirty="0"/>
-              <a:t>Utilizes reflection in the </a:t>
-            </a:r>
-            <a:r>
-              <a:rPr lang="en-US" dirty="0" err="1"/>
-              <a:t>EditInformationPanel</a:t>
-            </a:r>
-            <a:endParaRPr lang="en-US" dirty="0"/>
-          </a:p>
-        </p:txBody>
-      </p:sp>
-    </p:spTree>
-    <p:extLst>
-      <p:ext uri="{BB962C8B-B14F-4D97-AF65-F5344CB8AC3E}">
-        <p14:creationId xmlns:p14="http://schemas.microsoft.com/office/powerpoint/2010/main" val="1007423661"/>
-      </p:ext>
-    </p:extLst>
-  </p:cSld>
-  <p:clrMapOvr>
-    <a:masterClrMapping/>
-  </p:clrMapOvr>
-</p:sld>
-</file>
-
-<file path=ppt/slides/slide4.xml><?xml version="1.0" encoding="utf-8"?>
-<p:sld xmlns:a="http://schemas.openxmlformats.org/drawingml/2006/main" xmlns:r="http://schemas.openxmlformats.org/officeDocument/2006/relationships" xmlns:p="http://schemas.openxmlformats.org/presentationml/2006/main">
-  <p:cSld>
-    <p:spTree>
-      <p:nvGrpSpPr>
-        <p:cNvPr id="1" name=""/>
-        <p:cNvGrpSpPr/>
-        <p:nvPr/>
-      </p:nvGrpSpPr>
-      <p:grpSpPr>
-        <a:xfrm>
-          <a:off x="0" y="0"/>
-          <a:ext cx="0" cy="0"/>
-          <a:chOff x="0" y="0"/>
-          <a:chExt cx="0" cy="0"/>
-        </a:xfrm>
-      </p:grpSpPr>
-      <p:sp>
-        <p:nvSpPr>
-          <p:cNvPr id="2" name="Title 1">
-            <a:extLst>
-              <a:ext uri="{FF2B5EF4-FFF2-40B4-BE49-F238E27FC236}">
-                <a16:creationId xmlns:a16="http://schemas.microsoft.com/office/drawing/2014/main" id="{ABCE7BC0-D28C-4D25-9E0A-75CB5CC50BDC}"/>
-              </a:ext>
-            </a:extLst>
-          </p:cNvPr>
-          <p:cNvSpPr>
-            <a:spLocks noGrp="1"/>
-          </p:cNvSpPr>
-          <p:nvPr>
-            <p:ph type="title"/>
-          </p:nvPr>
-        </p:nvSpPr>
-        <p:spPr/>
-        <p:txBody>
-          <a:bodyPr/>
-          <a:lstStyle/>
-          <a:p>
-            <a:r>
-              <a:rPr lang="en-US" dirty="0"/>
-              <a:t>Code</a:t>
-            </a:r>
-          </a:p>
-        </p:txBody>
-      </p:sp>
-      <p:pic>
-        <p:nvPicPr>
-          <p:cNvPr id="7" name="Picture 6">
-            <a:extLst>
-              <a:ext uri="{FF2B5EF4-FFF2-40B4-BE49-F238E27FC236}">
-                <a16:creationId xmlns:a16="http://schemas.microsoft.com/office/drawing/2014/main" id="{D297E108-B961-47B5-955C-6243D6405067}"/>
-              </a:ext>
-            </a:extLst>
-          </p:cNvPr>
-          <p:cNvPicPr>
-            <a:picLocks noChangeAspect="1"/>
-          </p:cNvPicPr>
-          <p:nvPr/>
-        </p:nvPicPr>
-        <p:blipFill>
-          <a:blip r:embed="rId2"/>
-          <a:stretch>
-            <a:fillRect/>
-          </a:stretch>
-        </p:blipFill>
-        <p:spPr>
-          <a:xfrm>
-            <a:off x="7584749" y="1256585"/>
-            <a:ext cx="4183181" cy="2753994"/>
-          </a:xfrm>
-          <a:prstGeom prst="rect">
-            <a:avLst/>
-          </a:prstGeom>
-        </p:spPr>
-      </p:pic>
-      <p:pic>
-        <p:nvPicPr>
-          <p:cNvPr id="9" name="Picture 8">
-            <a:extLst>
-              <a:ext uri="{FF2B5EF4-FFF2-40B4-BE49-F238E27FC236}">
-                <a16:creationId xmlns:a16="http://schemas.microsoft.com/office/drawing/2014/main" id="{722EA9CF-7C99-48AD-AE88-DFE0B1FC3C07}"/>
-              </a:ext>
-            </a:extLst>
-          </p:cNvPr>
-          <p:cNvPicPr>
-            <a:picLocks noChangeAspect="1"/>
-          </p:cNvPicPr>
-          <p:nvPr/>
-        </p:nvPicPr>
-        <p:blipFill>
-          <a:blip r:embed="rId3"/>
-          <a:stretch>
-            <a:fillRect/>
-          </a:stretch>
-        </p:blipFill>
-        <p:spPr>
-          <a:xfrm>
-            <a:off x="980661" y="4152569"/>
-            <a:ext cx="9727096" cy="2463724"/>
-          </a:xfrm>
-          <a:prstGeom prst="rect">
-            <a:avLst/>
-          </a:prstGeom>
-        </p:spPr>
-      </p:pic>
-      <p:pic>
-        <p:nvPicPr>
-          <p:cNvPr id="11" name="Picture 10">
-            <a:extLst>
-              <a:ext uri="{FF2B5EF4-FFF2-40B4-BE49-F238E27FC236}">
-                <a16:creationId xmlns:a16="http://schemas.microsoft.com/office/drawing/2014/main" id="{D919F1E8-5CFD-4BF7-A836-732A28F78946}"/>
-              </a:ext>
-            </a:extLst>
-          </p:cNvPr>
-          <p:cNvPicPr>
-            <a:picLocks noChangeAspect="1"/>
-          </p:cNvPicPr>
-          <p:nvPr/>
-        </p:nvPicPr>
-        <p:blipFill>
-          <a:blip r:embed="rId4"/>
-          <a:stretch>
-            <a:fillRect/>
-          </a:stretch>
-        </p:blipFill>
-        <p:spPr>
-          <a:xfrm>
-            <a:off x="980661" y="1219364"/>
-            <a:ext cx="5058481" cy="2791215"/>
-          </a:xfrm>
-          <a:prstGeom prst="rect">
-            <a:avLst/>
-          </a:prstGeom>
-        </p:spPr>
-      </p:pic>
-    </p:spTree>
-    <p:extLst>
-      <p:ext uri="{BB962C8B-B14F-4D97-AF65-F5344CB8AC3E}">
-        <p14:creationId xmlns:p14="http://schemas.microsoft.com/office/powerpoint/2010/main" val="2247648918"/>
-      </p:ext>
-    </p:extLst>
-  </p:cSld>
-  <p:clrMapOvr>
-    <a:masterClrMapping/>
-  </p:clrMapOvr>
-</p:sld>
-</file>
-
-<file path=ppt/slides/slide5.xml><?xml version="1.0" encoding="utf-8"?>
-<p:sld xmlns:a="http://schemas.openxmlformats.org/drawingml/2006/main" xmlns:r="http://schemas.openxmlformats.org/officeDocument/2006/relationships" xmlns:p="http://schemas.openxmlformats.org/presentationml/2006/main">
-  <p:cSld>
-    <p:spTree>
-      <p:nvGrpSpPr>
-        <p:cNvPr id="1" name=""/>
-        <p:cNvGrpSpPr/>
-        <p:nvPr/>
-      </p:nvGrpSpPr>
-      <p:grpSpPr>
-        <a:xfrm>
-          <a:off x="0" y="0"/>
-          <a:ext cx="0" cy="0"/>
-          <a:chOff x="0" y="0"/>
-          <a:chExt cx="0" cy="0"/>
-        </a:xfrm>
-      </p:grpSpPr>
-      <p:sp>
-        <p:nvSpPr>
-          <p:cNvPr id="2" name="Title 1">
-            <a:extLst>
-              <a:ext uri="{FF2B5EF4-FFF2-40B4-BE49-F238E27FC236}">
-                <a16:creationId xmlns:a16="http://schemas.microsoft.com/office/drawing/2014/main" id="{770E07CC-FA0C-43E4-B71F-B0596F98E420}"/>
-              </a:ext>
-            </a:extLst>
-          </p:cNvPr>
-          <p:cNvSpPr>
-            <a:spLocks noGrp="1"/>
-          </p:cNvSpPr>
-          <p:nvPr>
-            <p:ph type="title"/>
-          </p:nvPr>
-        </p:nvSpPr>
-        <p:spPr/>
-        <p:txBody>
-          <a:bodyPr/>
-          <a:lstStyle/>
-          <a:p>
-            <a:r>
-              <a:rPr lang="en-US" dirty="0"/>
-              <a:t>More Code</a:t>
-            </a:r>
-          </a:p>
-        </p:txBody>
-      </p:sp>
-      <p:pic>
-        <p:nvPicPr>
-          <p:cNvPr id="5" name="Picture 4">
-            <a:extLst>
-              <a:ext uri="{FF2B5EF4-FFF2-40B4-BE49-F238E27FC236}">
-                <a16:creationId xmlns:a16="http://schemas.microsoft.com/office/drawing/2014/main" id="{33272546-923D-454A-9A14-4335375BB989}"/>
-              </a:ext>
-            </a:extLst>
-          </p:cNvPr>
-          <p:cNvPicPr>
-            <a:picLocks noChangeAspect="1"/>
-          </p:cNvPicPr>
-          <p:nvPr/>
-        </p:nvPicPr>
-        <p:blipFill>
-          <a:blip r:embed="rId2"/>
-          <a:stretch>
-            <a:fillRect/>
-          </a:stretch>
-        </p:blipFill>
-        <p:spPr>
-          <a:xfrm>
-            <a:off x="1270407" y="2209439"/>
-            <a:ext cx="5039428" cy="2200582"/>
-          </a:xfrm>
-          <a:prstGeom prst="rect">
-            <a:avLst/>
-          </a:prstGeom>
-        </p:spPr>
-      </p:pic>
-      <p:pic>
-        <p:nvPicPr>
-          <p:cNvPr id="7" name="Picture 6">
-            <a:extLst>
-              <a:ext uri="{FF2B5EF4-FFF2-40B4-BE49-F238E27FC236}">
-                <a16:creationId xmlns:a16="http://schemas.microsoft.com/office/drawing/2014/main" id="{07186F91-F929-4AC3-8416-ACF5622806A3}"/>
-              </a:ext>
-            </a:extLst>
-          </p:cNvPr>
-          <p:cNvPicPr>
-            <a:picLocks noChangeAspect="1"/>
-          </p:cNvPicPr>
-          <p:nvPr/>
-        </p:nvPicPr>
-        <p:blipFill>
-          <a:blip r:embed="rId3"/>
-          <a:stretch>
-            <a:fillRect/>
-          </a:stretch>
-        </p:blipFill>
-        <p:spPr>
-          <a:xfrm>
-            <a:off x="715617" y="5128592"/>
-            <a:ext cx="10760765" cy="1017143"/>
-          </a:xfrm>
-          <a:prstGeom prst="rect">
-            <a:avLst/>
-          </a:prstGeom>
-        </p:spPr>
-      </p:pic>
-      <p:pic>
-        <p:nvPicPr>
-          <p:cNvPr id="9" name="Picture 8">
-            <a:extLst>
-              <a:ext uri="{FF2B5EF4-FFF2-40B4-BE49-F238E27FC236}">
-                <a16:creationId xmlns:a16="http://schemas.microsoft.com/office/drawing/2014/main" id="{1CB17751-CE9E-4CC9-9940-8A636A05A418}"/>
-              </a:ext>
-            </a:extLst>
-          </p:cNvPr>
-          <p:cNvPicPr>
-            <a:picLocks noChangeAspect="1"/>
-          </p:cNvPicPr>
-          <p:nvPr/>
-        </p:nvPicPr>
-        <p:blipFill>
-          <a:blip r:embed="rId4"/>
-          <a:stretch>
-            <a:fillRect/>
-          </a:stretch>
-        </p:blipFill>
-        <p:spPr>
-          <a:xfrm>
-            <a:off x="7178464" y="1637742"/>
-            <a:ext cx="4010585" cy="1771897"/>
-          </a:xfrm>
-          <a:prstGeom prst="rect">
-            <a:avLst/>
-          </a:prstGeom>
-        </p:spPr>
-      </p:pic>
-    </p:spTree>
-    <p:extLst>
-      <p:ext uri="{BB962C8B-B14F-4D97-AF65-F5344CB8AC3E}">
-        <p14:creationId xmlns:p14="http://schemas.microsoft.com/office/powerpoint/2010/main" val="3923058320"/>
-      </p:ext>
-    </p:extLst>
-  </p:cSld>
-  <p:clrMapOvr>
-    <a:masterClrMapping/>
-  </p:clrMapOvr>
-</p:sld>
-</file>
-
-<file path=ppt/slides/slide6.xml><?xml version="1.0" encoding="utf-8"?>
-<p:sld xmlns:a="http://schemas.openxmlformats.org/drawingml/2006/main" xmlns:r="http://schemas.openxmlformats.org/officeDocument/2006/relationships" xmlns:p="http://schemas.openxmlformats.org/presentationml/2006/main">
-  <p:cSld>
-    <p:spTree>
-      <p:nvGrpSpPr>
-        <p:cNvPr id="1" name=""/>
-        <p:cNvGrpSpPr/>
-        <p:nvPr/>
-      </p:nvGrpSpPr>
-      <p:grpSpPr>
-        <a:xfrm>
-          <a:off x="0" y="0"/>
-          <a:ext cx="0" cy="0"/>
-          <a:chOff x="0" y="0"/>
-          <a:chExt cx="0" cy="0"/>
-        </a:xfrm>
-      </p:grpSpPr>
       <p:pic>
         <p:nvPicPr>
           <p:cNvPr id="7" name="Picture 6">
@@ -8675,7 +8507,7 @@
 </p:sld>
 </file>
 
-<file path=ppt/slides/slide7.xml><?xml version="1.0" encoding="utf-8"?>
+<file path=ppt/slides/slide4.xml><?xml version="1.0" encoding="utf-8"?>
 <p:sld xmlns:a="http://schemas.openxmlformats.org/drawingml/2006/main" xmlns:r="http://schemas.openxmlformats.org/officeDocument/2006/relationships" xmlns:p="http://schemas.openxmlformats.org/presentationml/2006/main">
   <p:cSld>
     <p:bg>
@@ -8730,31 +8562,6 @@
           </a:prstGeom>
         </p:spPr>
       </p:pic>
-      <p:sp>
-        <p:nvSpPr>
-          <p:cNvPr id="13" name="Content Placeholder 12">
-            <a:extLst>
-              <a:ext uri="{FF2B5EF4-FFF2-40B4-BE49-F238E27FC236}">
-                <a16:creationId xmlns:a16="http://schemas.microsoft.com/office/drawing/2014/main" id="{0613C7A5-91FE-4B99-B5DB-2FC9F62DAF94}"/>
-              </a:ext>
-            </a:extLst>
-          </p:cNvPr>
-          <p:cNvSpPr>
-            <a:spLocks noGrp="1"/>
-          </p:cNvSpPr>
-          <p:nvPr>
-            <p:ph idx="1"/>
-          </p:nvPr>
-        </p:nvSpPr>
-        <p:spPr/>
-        <p:txBody>
-          <a:bodyPr/>
-          <a:lstStyle/>
-          <a:p>
-            <a:endParaRPr lang="en-US" dirty="0"/>
-          </a:p>
-        </p:txBody>
-      </p:sp>
       <p:pic>
         <p:nvPicPr>
           <p:cNvPr id="25" name="Picture 24">
@@ -8863,7 +8670,584 @@
 </p:sld>
 </file>
 
+<file path=ppt/slides/slide5.xml><?xml version="1.0" encoding="utf-8"?>
+<p:sld xmlns:a="http://schemas.openxmlformats.org/drawingml/2006/main" xmlns:r="http://schemas.openxmlformats.org/officeDocument/2006/relationships" xmlns:p="http://schemas.openxmlformats.org/presentationml/2006/main">
+  <p:cSld>
+    <p:spTree>
+      <p:nvGrpSpPr>
+        <p:cNvPr id="1" name=""/>
+        <p:cNvGrpSpPr/>
+        <p:nvPr/>
+      </p:nvGrpSpPr>
+      <p:grpSpPr>
+        <a:xfrm>
+          <a:off x="0" y="0"/>
+          <a:ext cx="0" cy="0"/>
+          <a:chOff x="0" y="0"/>
+          <a:chExt cx="0" cy="0"/>
+        </a:xfrm>
+      </p:grpSpPr>
+      <p:sp>
+        <p:nvSpPr>
+          <p:cNvPr id="2" name="Title 1">
+            <a:extLst>
+              <a:ext uri="{FF2B5EF4-FFF2-40B4-BE49-F238E27FC236}">
+                <a16:creationId xmlns:a16="http://schemas.microsoft.com/office/drawing/2014/main" id="{AB993F9A-FB8E-4863-AEA7-14E5C690A139}"/>
+              </a:ext>
+            </a:extLst>
+          </p:cNvPr>
+          <p:cNvSpPr>
+            <a:spLocks noGrp="1"/>
+          </p:cNvSpPr>
+          <p:nvPr>
+            <p:ph type="title"/>
+          </p:nvPr>
+        </p:nvSpPr>
+        <p:spPr/>
+        <p:txBody>
+          <a:bodyPr/>
+          <a:lstStyle/>
+          <a:p>
+            <a:r>
+              <a:rPr lang="en-US" dirty="0" err="1"/>
+              <a:t>FileIO</a:t>
+            </a:r>
+            <a:endParaRPr lang="en-US" dirty="0"/>
+          </a:p>
+        </p:txBody>
+      </p:sp>
+      <p:sp>
+        <p:nvSpPr>
+          <p:cNvPr id="3" name="Content Placeholder 2">
+            <a:extLst>
+              <a:ext uri="{FF2B5EF4-FFF2-40B4-BE49-F238E27FC236}">
+                <a16:creationId xmlns:a16="http://schemas.microsoft.com/office/drawing/2014/main" id="{72EB1CB4-46DA-432B-9BBB-65DF747BEF9D}"/>
+              </a:ext>
+            </a:extLst>
+          </p:cNvPr>
+          <p:cNvSpPr>
+            <a:spLocks noGrp="1"/>
+          </p:cNvSpPr>
+          <p:nvPr>
+            <p:ph idx="1"/>
+          </p:nvPr>
+        </p:nvSpPr>
+        <p:spPr/>
+        <p:txBody>
+          <a:bodyPr/>
+          <a:lstStyle/>
+          <a:p>
+            <a:r>
+              <a:rPr lang="en-US" dirty="0"/>
+              <a:t>Handles the file structure and creating Person/Club objects</a:t>
+            </a:r>
+          </a:p>
+          <a:p>
+            <a:r>
+              <a:rPr lang="en-US" dirty="0"/>
+              <a:t>Consists entirely of static methods</a:t>
+            </a:r>
+          </a:p>
+          <a:p>
+            <a:r>
+              <a:rPr lang="en-US" dirty="0" err="1"/>
+              <a:t>startUp</a:t>
+            </a:r>
+            <a:r>
+              <a:rPr lang="en-US" dirty="0"/>
+              <a:t>() method creates the necessary files right away during runtime if not already present</a:t>
+            </a:r>
+          </a:p>
+          <a:p>
+            <a:r>
+              <a:rPr lang="en-US" dirty="0"/>
+              <a:t>Stores files in USER/</a:t>
+            </a:r>
+            <a:r>
+              <a:rPr lang="en-US" dirty="0" err="1"/>
+              <a:t>AppData</a:t>
+            </a:r>
+            <a:r>
+              <a:rPr lang="en-US" dirty="0"/>
+              <a:t>/Roaming/</a:t>
+            </a:r>
+            <a:r>
+              <a:rPr lang="en-US" dirty="0" err="1"/>
+              <a:t>CollegeConnect</a:t>
+            </a:r>
+            <a:endParaRPr lang="en-US" dirty="0"/>
+          </a:p>
+          <a:p>
+            <a:r>
+              <a:rPr lang="en-US" dirty="0"/>
+              <a:t>Uses Scanner, File, and </a:t>
+            </a:r>
+            <a:r>
+              <a:rPr lang="en-US" dirty="0" err="1"/>
+              <a:t>FileWriter</a:t>
+            </a:r>
+            <a:r>
+              <a:rPr lang="en-US" dirty="0"/>
+              <a:t> to read and write to files</a:t>
+            </a:r>
+          </a:p>
+          <a:p>
+            <a:endParaRPr lang="en-US" dirty="0"/>
+          </a:p>
+        </p:txBody>
+      </p:sp>
+    </p:spTree>
+    <p:extLst>
+      <p:ext uri="{BB962C8B-B14F-4D97-AF65-F5344CB8AC3E}">
+        <p14:creationId xmlns:p14="http://schemas.microsoft.com/office/powerpoint/2010/main" val="3076650044"/>
+      </p:ext>
+    </p:extLst>
+  </p:cSld>
+  <p:clrMapOvr>
+    <a:masterClrMapping/>
+  </p:clrMapOvr>
+</p:sld>
+</file>
+
+<file path=ppt/slides/slide6.xml><?xml version="1.0" encoding="utf-8"?>
+<p:sld xmlns:a="http://schemas.openxmlformats.org/drawingml/2006/main" xmlns:r="http://schemas.openxmlformats.org/officeDocument/2006/relationships" xmlns:p="http://schemas.openxmlformats.org/presentationml/2006/main">
+  <p:cSld>
+    <p:spTree>
+      <p:nvGrpSpPr>
+        <p:cNvPr id="1" name=""/>
+        <p:cNvGrpSpPr/>
+        <p:nvPr/>
+      </p:nvGrpSpPr>
+      <p:grpSpPr>
+        <a:xfrm>
+          <a:off x="0" y="0"/>
+          <a:ext cx="0" cy="0"/>
+          <a:chOff x="0" y="0"/>
+          <a:chExt cx="0" cy="0"/>
+        </a:xfrm>
+      </p:grpSpPr>
+      <p:sp>
+        <p:nvSpPr>
+          <p:cNvPr id="2" name="Title 1">
+            <a:extLst>
+              <a:ext uri="{FF2B5EF4-FFF2-40B4-BE49-F238E27FC236}">
+                <a16:creationId xmlns:a16="http://schemas.microsoft.com/office/drawing/2014/main" id="{6385EEDF-3B2E-4D7F-B5FD-DFA333C7543D}"/>
+              </a:ext>
+            </a:extLst>
+          </p:cNvPr>
+          <p:cNvSpPr>
+            <a:spLocks noGrp="1"/>
+          </p:cNvSpPr>
+          <p:nvPr>
+            <p:ph type="title"/>
+          </p:nvPr>
+        </p:nvSpPr>
+        <p:spPr/>
+        <p:txBody>
+          <a:bodyPr/>
+          <a:lstStyle/>
+          <a:p>
+            <a:r>
+              <a:rPr lang="en-US" dirty="0" err="1"/>
+              <a:t>RunnerGUI</a:t>
+            </a:r>
+            <a:endParaRPr lang="en-US" dirty="0"/>
+          </a:p>
+        </p:txBody>
+      </p:sp>
+      <p:sp>
+        <p:nvSpPr>
+          <p:cNvPr id="3" name="Content Placeholder 2">
+            <a:extLst>
+              <a:ext uri="{FF2B5EF4-FFF2-40B4-BE49-F238E27FC236}">
+                <a16:creationId xmlns:a16="http://schemas.microsoft.com/office/drawing/2014/main" id="{4F8882A3-29E5-4674-8874-0933D066E6DB}"/>
+              </a:ext>
+            </a:extLst>
+          </p:cNvPr>
+          <p:cNvSpPr>
+            <a:spLocks noGrp="1"/>
+          </p:cNvSpPr>
+          <p:nvPr>
+            <p:ph idx="1"/>
+          </p:nvPr>
+        </p:nvSpPr>
+        <p:spPr/>
+        <p:txBody>
+          <a:bodyPr/>
+          <a:lstStyle/>
+          <a:p>
+            <a:r>
+              <a:rPr lang="en-US" dirty="0"/>
+              <a:t>GUI part of the project</a:t>
+            </a:r>
+          </a:p>
+          <a:p>
+            <a:r>
+              <a:rPr lang="en-US" dirty="0"/>
+              <a:t>Multi-threaded</a:t>
+            </a:r>
+          </a:p>
+          <a:p>
+            <a:pPr lvl="1"/>
+            <a:r>
+              <a:rPr lang="en-US" dirty="0"/>
+              <a:t>The main thread is what takes care of most of the functionality</a:t>
+            </a:r>
+          </a:p>
+          <a:p>
+            <a:pPr lvl="1"/>
+            <a:r>
+              <a:rPr lang="en-US" dirty="0"/>
+              <a:t>The second thread only takes care of time-based updates, such as updating the messages in the </a:t>
+            </a:r>
+            <a:r>
+              <a:rPr lang="en-US" dirty="0" err="1"/>
+              <a:t>FindRoommatePanel</a:t>
+            </a:r>
+            <a:endParaRPr lang="en-US" dirty="0"/>
+          </a:p>
+          <a:p>
+            <a:r>
+              <a:rPr lang="en-US" dirty="0"/>
+              <a:t>Uses </a:t>
+            </a:r>
+            <a:r>
+              <a:rPr lang="en-US" dirty="0" err="1"/>
+              <a:t>JFrame</a:t>
+            </a:r>
+            <a:endParaRPr lang="en-US" dirty="0"/>
+          </a:p>
+          <a:p>
+            <a:r>
+              <a:rPr lang="en-US" dirty="0"/>
+              <a:t>Has lots of inner classes for the different panels and such shown</a:t>
+            </a:r>
+          </a:p>
+          <a:p>
+            <a:r>
+              <a:rPr lang="en-US" dirty="0"/>
+              <a:t>Utilizes reflection in some parts (wasn’t worth it)</a:t>
+            </a:r>
+          </a:p>
+          <a:p>
+            <a:endParaRPr lang="en-US" dirty="0"/>
+          </a:p>
+        </p:txBody>
+      </p:sp>
+    </p:spTree>
+    <p:extLst>
+      <p:ext uri="{BB962C8B-B14F-4D97-AF65-F5344CB8AC3E}">
+        <p14:creationId xmlns:p14="http://schemas.microsoft.com/office/powerpoint/2010/main" val="1291485519"/>
+      </p:ext>
+    </p:extLst>
+  </p:cSld>
+  <p:clrMapOvr>
+    <a:masterClrMapping/>
+  </p:clrMapOvr>
+</p:sld>
+</file>
+
+<file path=ppt/slides/slide7.xml><?xml version="1.0" encoding="utf-8"?>
+<p:sld xmlns:a="http://schemas.openxmlformats.org/drawingml/2006/main" xmlns:r="http://schemas.openxmlformats.org/officeDocument/2006/relationships" xmlns:p="http://schemas.openxmlformats.org/presentationml/2006/main">
+  <p:cSld>
+    <p:spTree>
+      <p:nvGrpSpPr>
+        <p:cNvPr id="1" name=""/>
+        <p:cNvGrpSpPr/>
+        <p:nvPr/>
+      </p:nvGrpSpPr>
+      <p:grpSpPr>
+        <a:xfrm>
+          <a:off x="0" y="0"/>
+          <a:ext cx="0" cy="0"/>
+          <a:chOff x="0" y="0"/>
+          <a:chExt cx="0" cy="0"/>
+        </a:xfrm>
+      </p:grpSpPr>
+      <p:pic>
+        <p:nvPicPr>
+          <p:cNvPr id="7" name="Picture 6">
+            <a:extLst>
+              <a:ext uri="{FF2B5EF4-FFF2-40B4-BE49-F238E27FC236}">
+                <a16:creationId xmlns:a16="http://schemas.microsoft.com/office/drawing/2014/main" id="{D297E108-B961-47B5-955C-6243D6405067}"/>
+              </a:ext>
+            </a:extLst>
+          </p:cNvPr>
+          <p:cNvPicPr>
+            <a:picLocks noChangeAspect="1"/>
+          </p:cNvPicPr>
+          <p:nvPr/>
+        </p:nvPicPr>
+        <p:blipFill>
+          <a:blip r:embed="rId2"/>
+          <a:stretch>
+            <a:fillRect/>
+          </a:stretch>
+        </p:blipFill>
+        <p:spPr>
+          <a:xfrm>
+            <a:off x="6660529" y="-26339"/>
+            <a:ext cx="5740113" cy="3778999"/>
+          </a:xfrm>
+          <a:prstGeom prst="rect">
+            <a:avLst/>
+          </a:prstGeom>
+        </p:spPr>
+      </p:pic>
+      <p:pic>
+        <p:nvPicPr>
+          <p:cNvPr id="9" name="Picture 8">
+            <a:extLst>
+              <a:ext uri="{FF2B5EF4-FFF2-40B4-BE49-F238E27FC236}">
+                <a16:creationId xmlns:a16="http://schemas.microsoft.com/office/drawing/2014/main" id="{722EA9CF-7C99-48AD-AE88-DFE0B1FC3C07}"/>
+              </a:ext>
+            </a:extLst>
+          </p:cNvPr>
+          <p:cNvPicPr>
+            <a:picLocks noChangeAspect="1"/>
+          </p:cNvPicPr>
+          <p:nvPr/>
+        </p:nvPicPr>
+        <p:blipFill>
+          <a:blip r:embed="rId3"/>
+          <a:stretch>
+            <a:fillRect/>
+          </a:stretch>
+        </p:blipFill>
+        <p:spPr>
+          <a:xfrm>
+            <a:off x="-98474" y="3752661"/>
+            <a:ext cx="12358748" cy="3224914"/>
+          </a:xfrm>
+          <a:prstGeom prst="rect">
+            <a:avLst/>
+          </a:prstGeom>
+        </p:spPr>
+      </p:pic>
+      <p:pic>
+        <p:nvPicPr>
+          <p:cNvPr id="11" name="Picture 10">
+            <a:extLst>
+              <a:ext uri="{FF2B5EF4-FFF2-40B4-BE49-F238E27FC236}">
+                <a16:creationId xmlns:a16="http://schemas.microsoft.com/office/drawing/2014/main" id="{D919F1E8-5CFD-4BF7-A836-732A28F78946}"/>
+              </a:ext>
+            </a:extLst>
+          </p:cNvPr>
+          <p:cNvPicPr>
+            <a:picLocks noChangeAspect="1"/>
+          </p:cNvPicPr>
+          <p:nvPr/>
+        </p:nvPicPr>
+        <p:blipFill>
+          <a:blip r:embed="rId4"/>
+          <a:stretch>
+            <a:fillRect/>
+          </a:stretch>
+        </p:blipFill>
+        <p:spPr>
+          <a:xfrm>
+            <a:off x="-98474" y="-26338"/>
+            <a:ext cx="6899371" cy="3778999"/>
+          </a:xfrm>
+          <a:prstGeom prst="rect">
+            <a:avLst/>
+          </a:prstGeom>
+        </p:spPr>
+      </p:pic>
+    </p:spTree>
+    <p:extLst>
+      <p:ext uri="{BB962C8B-B14F-4D97-AF65-F5344CB8AC3E}">
+        <p14:creationId xmlns:p14="http://schemas.microsoft.com/office/powerpoint/2010/main" val="2247648918"/>
+      </p:ext>
+    </p:extLst>
+  </p:cSld>
+  <p:clrMapOvr>
+    <a:masterClrMapping/>
+  </p:clrMapOvr>
+</p:sld>
+</file>
+
 <file path=ppt/slides/slide8.xml><?xml version="1.0" encoding="utf-8"?>
+<p:sld xmlns:a="http://schemas.openxmlformats.org/drawingml/2006/main" xmlns:r="http://schemas.openxmlformats.org/officeDocument/2006/relationships" xmlns:p="http://schemas.openxmlformats.org/presentationml/2006/main">
+  <p:cSld>
+    <p:spTree>
+      <p:nvGrpSpPr>
+        <p:cNvPr id="1" name=""/>
+        <p:cNvGrpSpPr/>
+        <p:nvPr/>
+      </p:nvGrpSpPr>
+      <p:grpSpPr>
+        <a:xfrm>
+          <a:off x="0" y="0"/>
+          <a:ext cx="0" cy="0"/>
+          <a:chOff x="0" y="0"/>
+          <a:chExt cx="0" cy="0"/>
+        </a:xfrm>
+      </p:grpSpPr>
+      <p:pic>
+        <p:nvPicPr>
+          <p:cNvPr id="5" name="Picture 4">
+            <a:extLst>
+              <a:ext uri="{FF2B5EF4-FFF2-40B4-BE49-F238E27FC236}">
+                <a16:creationId xmlns:a16="http://schemas.microsoft.com/office/drawing/2014/main" id="{33272546-923D-454A-9A14-4335375BB989}"/>
+              </a:ext>
+            </a:extLst>
+          </p:cNvPr>
+          <p:cNvPicPr>
+            <a:picLocks noChangeAspect="1"/>
+          </p:cNvPicPr>
+          <p:nvPr/>
+        </p:nvPicPr>
+        <p:blipFill>
+          <a:blip r:embed="rId2"/>
+          <a:stretch>
+            <a:fillRect/>
+          </a:stretch>
+        </p:blipFill>
+        <p:spPr>
+          <a:xfrm>
+            <a:off x="-44470" y="-19419"/>
+            <a:ext cx="7486282" cy="3269057"/>
+          </a:xfrm>
+          <a:prstGeom prst="rect">
+            <a:avLst/>
+          </a:prstGeom>
+        </p:spPr>
+      </p:pic>
+      <p:pic>
+        <p:nvPicPr>
+          <p:cNvPr id="7" name="Picture 6">
+            <a:extLst>
+              <a:ext uri="{FF2B5EF4-FFF2-40B4-BE49-F238E27FC236}">
+                <a16:creationId xmlns:a16="http://schemas.microsoft.com/office/drawing/2014/main" id="{07186F91-F929-4AC3-8416-ACF5622806A3}"/>
+              </a:ext>
+            </a:extLst>
+          </p:cNvPr>
+          <p:cNvPicPr>
+            <a:picLocks noChangeAspect="1"/>
+          </p:cNvPicPr>
+          <p:nvPr/>
+        </p:nvPicPr>
+        <p:blipFill>
+          <a:blip r:embed="rId3"/>
+          <a:stretch>
+            <a:fillRect/>
+          </a:stretch>
+        </p:blipFill>
+        <p:spPr>
+          <a:xfrm>
+            <a:off x="-25893" y="5570807"/>
+            <a:ext cx="12321055" cy="1392701"/>
+          </a:xfrm>
+          <a:prstGeom prst="rect">
+            <a:avLst/>
+          </a:prstGeom>
+        </p:spPr>
+      </p:pic>
+      <p:pic>
+        <p:nvPicPr>
+          <p:cNvPr id="9" name="Picture 8">
+            <a:extLst>
+              <a:ext uri="{FF2B5EF4-FFF2-40B4-BE49-F238E27FC236}">
+                <a16:creationId xmlns:a16="http://schemas.microsoft.com/office/drawing/2014/main" id="{1CB17751-CE9E-4CC9-9940-8A636A05A418}"/>
+              </a:ext>
+            </a:extLst>
+          </p:cNvPr>
+          <p:cNvPicPr>
+            <a:picLocks noChangeAspect="1"/>
+          </p:cNvPicPr>
+          <p:nvPr/>
+        </p:nvPicPr>
+        <p:blipFill>
+          <a:blip r:embed="rId4"/>
+          <a:stretch>
+            <a:fillRect/>
+          </a:stretch>
+        </p:blipFill>
+        <p:spPr>
+          <a:xfrm>
+            <a:off x="-77514" y="3249638"/>
+            <a:ext cx="5331344" cy="2321169"/>
+          </a:xfrm>
+          <a:prstGeom prst="rect">
+            <a:avLst/>
+          </a:prstGeom>
+        </p:spPr>
+      </p:pic>
+      <p:pic>
+        <p:nvPicPr>
+          <p:cNvPr id="8" name="Picture 7">
+            <a:extLst>
+              <a:ext uri="{FF2B5EF4-FFF2-40B4-BE49-F238E27FC236}">
+                <a16:creationId xmlns:a16="http://schemas.microsoft.com/office/drawing/2014/main" id="{97D96FD2-F3B8-467A-A7DE-B0245A93247C}"/>
+              </a:ext>
+            </a:extLst>
+          </p:cNvPr>
+          <p:cNvPicPr>
+            <a:picLocks noChangeAspect="1"/>
+          </p:cNvPicPr>
+          <p:nvPr/>
+        </p:nvPicPr>
+        <p:blipFill>
+          <a:blip r:embed="rId5"/>
+          <a:stretch>
+            <a:fillRect/>
+          </a:stretch>
+        </p:blipFill>
+        <p:spPr>
+          <a:xfrm>
+            <a:off x="7390190" y="-9710"/>
+            <a:ext cx="4801810" cy="5580517"/>
+          </a:xfrm>
+          <a:prstGeom prst="rect">
+            <a:avLst/>
+          </a:prstGeom>
+        </p:spPr>
+      </p:pic>
+      <p:pic>
+        <p:nvPicPr>
+          <p:cNvPr id="11" name="Picture 10">
+            <a:extLst>
+              <a:ext uri="{FF2B5EF4-FFF2-40B4-BE49-F238E27FC236}">
+                <a16:creationId xmlns:a16="http://schemas.microsoft.com/office/drawing/2014/main" id="{A70E1AC6-0798-4943-BD8B-B5DE088E35A6}"/>
+              </a:ext>
+            </a:extLst>
+          </p:cNvPr>
+          <p:cNvPicPr>
+            <a:picLocks noChangeAspect="1"/>
+          </p:cNvPicPr>
+          <p:nvPr/>
+        </p:nvPicPr>
+        <p:blipFill>
+          <a:blip r:embed="rId6"/>
+          <a:stretch>
+            <a:fillRect/>
+          </a:stretch>
+        </p:blipFill>
+        <p:spPr>
+          <a:xfrm>
+            <a:off x="5134708" y="3249637"/>
+            <a:ext cx="2255482" cy="2330879"/>
+          </a:xfrm>
+          <a:prstGeom prst="rect">
+            <a:avLst/>
+          </a:prstGeom>
+        </p:spPr>
+      </p:pic>
+    </p:spTree>
+    <p:extLst>
+      <p:ext uri="{BB962C8B-B14F-4D97-AF65-F5344CB8AC3E}">
+        <p14:creationId xmlns:p14="http://schemas.microsoft.com/office/powerpoint/2010/main" val="3923058320"/>
+      </p:ext>
+    </p:extLst>
+  </p:cSld>
+  <p:clrMapOvr>
+    <a:masterClrMapping/>
+  </p:clrMapOvr>
+</p:sld>
+</file>
+
+<file path=ppt/slides/slide9.xml><?xml version="1.0" encoding="utf-8"?>
 <p:sld xmlns:a="http://schemas.openxmlformats.org/drawingml/2006/main" xmlns:r="http://schemas.openxmlformats.org/officeDocument/2006/relationships" xmlns:p="http://schemas.openxmlformats.org/presentationml/2006/main">
   <p:cSld>
     <p:bg>
@@ -9034,136 +9418,6 @@
     <p:extLst>
       <p:ext uri="{BB962C8B-B14F-4D97-AF65-F5344CB8AC3E}">
         <p14:creationId xmlns:p14="http://schemas.microsoft.com/office/powerpoint/2010/main" val="677075032"/>
-      </p:ext>
-    </p:extLst>
-  </p:cSld>
-  <p:clrMapOvr>
-    <a:masterClrMapping/>
-  </p:clrMapOvr>
-</p:sld>
-</file>
-
-<file path=ppt/slides/slide9.xml><?xml version="1.0" encoding="utf-8"?>
-<p:sld xmlns:a="http://schemas.openxmlformats.org/drawingml/2006/main" xmlns:r="http://schemas.openxmlformats.org/officeDocument/2006/relationships" xmlns:p="http://schemas.openxmlformats.org/presentationml/2006/main">
-  <p:cSld>
-    <p:spTree>
-      <p:nvGrpSpPr>
-        <p:cNvPr id="1" name=""/>
-        <p:cNvGrpSpPr/>
-        <p:nvPr/>
-      </p:nvGrpSpPr>
-      <p:grpSpPr>
-        <a:xfrm>
-          <a:off x="0" y="0"/>
-          <a:ext cx="0" cy="0"/>
-          <a:chOff x="0" y="0"/>
-          <a:chExt cx="0" cy="0"/>
-        </a:xfrm>
-      </p:grpSpPr>
-      <p:sp>
-        <p:nvSpPr>
-          <p:cNvPr id="2" name="Title 1">
-            <a:extLst>
-              <a:ext uri="{FF2B5EF4-FFF2-40B4-BE49-F238E27FC236}">
-                <a16:creationId xmlns:a16="http://schemas.microsoft.com/office/drawing/2014/main" id="{9915FD52-7D84-48F5-8506-F6879EB50457}"/>
-              </a:ext>
-            </a:extLst>
-          </p:cNvPr>
-          <p:cNvSpPr>
-            <a:spLocks noGrp="1"/>
-          </p:cNvSpPr>
-          <p:nvPr>
-            <p:ph type="title"/>
-          </p:nvPr>
-        </p:nvSpPr>
-        <p:spPr/>
-        <p:txBody>
-          <a:bodyPr/>
-          <a:lstStyle/>
-          <a:p>
-            <a:r>
-              <a:rPr lang="en-US" dirty="0"/>
-              <a:t>Issues</a:t>
-            </a:r>
-          </a:p>
-        </p:txBody>
-      </p:sp>
-      <p:sp>
-        <p:nvSpPr>
-          <p:cNvPr id="3" name="Content Placeholder 2">
-            <a:extLst>
-              <a:ext uri="{FF2B5EF4-FFF2-40B4-BE49-F238E27FC236}">
-                <a16:creationId xmlns:a16="http://schemas.microsoft.com/office/drawing/2014/main" id="{990E60D2-F3FA-4A6C-9AF0-2C7C102505D9}"/>
-              </a:ext>
-            </a:extLst>
-          </p:cNvPr>
-          <p:cNvSpPr>
-            <a:spLocks noGrp="1"/>
-          </p:cNvSpPr>
-          <p:nvPr>
-            <p:ph idx="1"/>
-          </p:nvPr>
-        </p:nvSpPr>
-        <p:spPr/>
-        <p:txBody>
-          <a:bodyPr>
-            <a:normAutofit lnSpcReduction="10000"/>
-          </a:bodyPr>
-          <a:lstStyle/>
-          <a:p>
-            <a:pPr marL="0" indent="0">
-              <a:buNone/>
-            </a:pPr>
-            <a:r>
-              <a:rPr lang="en-US" dirty="0"/>
-              <a:t>There are some (currently small) issues within the program</a:t>
-            </a:r>
-          </a:p>
-          <a:p>
-            <a:pPr marL="514350" indent="-514350">
-              <a:buAutoNum type="arabicPeriod"/>
-            </a:pPr>
-            <a:r>
-              <a:rPr lang="en-US" dirty="0"/>
-              <a:t>The program creates a list of all the profiles at the start, which is only modified if the current user deletes their account</a:t>
-            </a:r>
-          </a:p>
-          <a:p>
-            <a:pPr lvl="1"/>
-            <a:r>
-              <a:rPr lang="en-US" dirty="0"/>
-              <a:t>If a new user creates a profile, it would not appear on other users ends until the next time they started</a:t>
-            </a:r>
-          </a:p>
-          <a:p>
-            <a:pPr lvl="1"/>
-            <a:r>
-              <a:rPr lang="en-US" dirty="0"/>
-              <a:t>At the same time though, if a different user deleted their account, this could impact other active users with the messaging features, because these rely on scanning text files, which can be modified during program runtime</a:t>
-            </a:r>
-          </a:p>
-          <a:p>
-            <a:pPr marL="514350" indent="-514350">
-              <a:buAutoNum type="arabicPeriod"/>
-            </a:pPr>
-            <a:r>
-              <a:rPr lang="en-US" dirty="0"/>
-              <a:t>The UI looks really bad and doesn’t have good sizing for elements</a:t>
-            </a:r>
-          </a:p>
-          <a:p>
-            <a:pPr lvl="1"/>
-            <a:r>
-              <a:rPr lang="en-US" dirty="0"/>
-              <a:t>None of the UI is designed to change as the window resolution changes, so component locations stay static with regard to the top right corner</a:t>
-            </a:r>
-          </a:p>
-        </p:txBody>
-      </p:sp>
-    </p:spTree>
-    <p:extLst>
-      <p:ext uri="{BB962C8B-B14F-4D97-AF65-F5344CB8AC3E}">
-        <p14:creationId xmlns:p14="http://schemas.microsoft.com/office/powerpoint/2010/main" val="2300558409"/>
       </p:ext>
     </p:extLst>
   </p:cSld>
